--- a/IDETC-2024-Presentation-RahulPushparajan_MYML.pptx
+++ b/IDETC-2024-Presentation-RahulPushparajan_MYML.pptx
@@ -7,24 +7,25 @@
     <p:sldMasterId id="2147483660" r:id="rId3"/>
   </p:sldMasterIdLst>
   <p:notesMasterIdLst>
-    <p:notesMasterId r:id="rId16"/>
+    <p:notesMasterId r:id="rId17"/>
   </p:notesMasterIdLst>
   <p:handoutMasterIdLst>
-    <p:handoutMasterId r:id="rId17"/>
+    <p:handoutMasterId r:id="rId18"/>
   </p:handoutMasterIdLst>
   <p:sldIdLst>
     <p:sldId id="257" r:id="rId4"/>
     <p:sldId id="258" r:id="rId5"/>
     <p:sldId id="262" r:id="rId6"/>
     <p:sldId id="263" r:id="rId7"/>
-    <p:sldId id="265" r:id="rId8"/>
-    <p:sldId id="266" r:id="rId9"/>
-    <p:sldId id="264" r:id="rId10"/>
-    <p:sldId id="267" r:id="rId11"/>
-    <p:sldId id="269" r:id="rId12"/>
-    <p:sldId id="268" r:id="rId13"/>
-    <p:sldId id="270" r:id="rId14"/>
-    <p:sldId id="261" r:id="rId15"/>
+    <p:sldId id="271" r:id="rId8"/>
+    <p:sldId id="265" r:id="rId9"/>
+    <p:sldId id="266" r:id="rId10"/>
+    <p:sldId id="264" r:id="rId11"/>
+    <p:sldId id="267" r:id="rId12"/>
+    <p:sldId id="269" r:id="rId13"/>
+    <p:sldId id="268" r:id="rId14"/>
+    <p:sldId id="270" r:id="rId15"/>
+    <p:sldId id="261" r:id="rId16"/>
   </p:sldIdLst>
   <p:sldSz cx="12192000" cy="6858000"/>
   <p:notesSz cx="6858000" cy="9144000"/>
@@ -228,7 +229,7 @@
           <a:p>
             <a:fld id="{49C2ED85-6603-DE4F-AC1F-DADB96E97F52}" type="datetimeFigureOut">
               <a:rPr lang="en-US" smtClean="0"/>
-              <a:t>8/24/2024</a:t>
+              <a:t>8/25/2024</a:t>
             </a:fld>
             <a:endParaRPr lang="en-US"/>
           </a:p>
@@ -405,7 +406,7 @@
           <a:p>
             <a:fld id="{A51FA069-43CE-C744-9868-7D24110FA0CA}" type="datetimeFigureOut">
               <a:rPr lang="en-US" smtClean="0"/>
-              <a:t>8/24/2024</a:t>
+              <a:t>8/25/2024</a:t>
             </a:fld>
             <a:endParaRPr lang="en-US"/>
           </a:p>
@@ -6395,7 +6396,7 @@
           <a:p>
             <a:fld id="{E15BF3D8-EAEA-6843-89D7-6A2BF63274CA}" type="datetimeFigureOut">
               <a:rPr lang="en-US" smtClean="0"/>
-              <a:t>8/24/2024</a:t>
+              <a:t>8/25/2024</a:t>
             </a:fld>
             <a:endParaRPr lang="en-US"/>
           </a:p>
@@ -7194,7 +7195,7 @@
           <a:p>
             <a:fld id="{E15BF3D8-EAEA-6843-89D7-6A2BF63274CA}" type="datetimeFigureOut">
               <a:rPr lang="en-US" smtClean="0"/>
-              <a:t>8/24/2024</a:t>
+              <a:t>8/25/2024</a:t>
             </a:fld>
             <a:endParaRPr lang="en-US"/>
           </a:p>
@@ -8514,333 +8515,12 @@
           </a:p>
         </p:txBody>
       </p:sp>
-      <p:sp>
-        <p:nvSpPr>
-          <p:cNvPr id="4" name="Rectangle 1">
-            <a:extLst>
-              <a:ext uri="{FF2B5EF4-FFF2-40B4-BE49-F238E27FC236}">
-                <a16:creationId xmlns:a16="http://schemas.microsoft.com/office/drawing/2014/main" id="{1D48F620-03B0-33F7-9885-DBCF1A4D8771}"/>
-              </a:ext>
-            </a:extLst>
-          </p:cNvPr>
-          <p:cNvSpPr>
-            <a:spLocks noGrp="1" noChangeArrowheads="1"/>
-          </p:cNvSpPr>
-          <p:nvPr>
-            <p:ph type="subTitle" idx="1"/>
-          </p:nvPr>
-        </p:nvSpPr>
-        <p:spPr bwMode="auto">
-          <a:xfrm>
-            <a:off x="1385046" y="1069075"/>
-            <a:ext cx="8567153" cy="2862322"/>
-          </a:xfrm>
-          <a:prstGeom prst="rect">
-            <a:avLst/>
-          </a:prstGeom>
-          <a:noFill/>
-          <a:ln>
-            <a:noFill/>
-          </a:ln>
-          <a:effectLst/>
-          <a:extLst>
-            <a:ext uri="{909E8E84-426E-40DD-AFC4-6F175D3DCCD1}">
-              <a14:hiddenFill xmlns:a14="http://schemas.microsoft.com/office/drawing/2010/main">
-                <a:solidFill>
-                  <a:schemeClr val="accent1"/>
-                </a:solidFill>
-              </a14:hiddenFill>
-            </a:ext>
-            <a:ext uri="{91240B29-F687-4F45-9708-019B960494DF}">
-              <a14:hiddenLine xmlns:a14="http://schemas.microsoft.com/office/drawing/2010/main" w="9525">
-                <a:solidFill>
-                  <a:schemeClr val="tx1"/>
-                </a:solidFill>
-                <a:miter lim="800000"/>
-                <a:headEnd/>
-                <a:tailEnd/>
-              </a14:hiddenLine>
-            </a:ext>
-            <a:ext uri="{AF507438-7753-43E0-B8FC-AC1667EBCBE1}">
-              <a14:hiddenEffects xmlns:a14="http://schemas.microsoft.com/office/drawing/2010/main">
-                <a:effectLst>
-                  <a:outerShdw dist="35921" dir="2700000" algn="ctr" rotWithShape="0">
-                    <a:schemeClr val="bg2"/>
-                  </a:outerShdw>
-                </a:effectLst>
-              </a14:hiddenEffects>
-            </a:ext>
-          </a:extLst>
-        </p:spPr>
-        <p:txBody>
-          <a:bodyPr vert="horz" wrap="none" lIns="91440" tIns="45720" rIns="91440" bIns="45720" numCol="1" anchor="ctr" anchorCtr="0" compatLnSpc="1">
-            <a:prstTxWarp prst="textNoShape">
-              <a:avLst/>
-            </a:prstTxWarp>
-            <a:spAutoFit/>
-          </a:bodyPr>
-          <a:lstStyle/>
-          <a:p>
-            <a:pPr marL="342900" indent="-342900" algn="l" eaLnBrk="0" fontAlgn="base" hangingPunct="0">
-              <a:lnSpc>
-                <a:spcPct val="100000"/>
-              </a:lnSpc>
-              <a:spcBef>
-                <a:spcPct val="0"/>
-              </a:spcBef>
-              <a:spcAft>
-                <a:spcPct val="0"/>
-              </a:spcAft>
-              <a:buClr>
-                <a:srgbClr val="00B050"/>
-              </a:buClr>
-              <a:buFont typeface="Wingdings" panose="05000000000000000000" pitchFamily="2" charset="2"/>
-              <a:buChar char="Ø"/>
-            </a:pPr>
-            <a:r>
-              <a:rPr lang="en-US" altLang="en-US" sz="2000" dirty="0">
-                <a:latin typeface="Arial" panose="020B0604020202020204" pitchFamily="34" charset="0"/>
-              </a:rPr>
-              <a:t>Loss Reduction</a:t>
-            </a:r>
-          </a:p>
-          <a:p>
-            <a:pPr marL="800100" lvl="1" indent="-342900" algn="l" eaLnBrk="0" fontAlgn="base" hangingPunct="0">
-              <a:lnSpc>
-                <a:spcPct val="100000"/>
-              </a:lnSpc>
-              <a:spcBef>
-                <a:spcPct val="0"/>
-              </a:spcBef>
-              <a:spcAft>
-                <a:spcPct val="0"/>
-              </a:spcAft>
-              <a:buClr>
-                <a:srgbClr val="00B050"/>
-              </a:buClr>
-              <a:buFont typeface="Wingdings" panose="05000000000000000000" pitchFamily="2" charset="2"/>
-              <a:buChar char="Ø"/>
-            </a:pPr>
-            <a:r>
-              <a:rPr lang="en-US" altLang="en-US" sz="1600" dirty="0">
-                <a:latin typeface="Arial" panose="020B0604020202020204" pitchFamily="34" charset="0"/>
-              </a:rPr>
-              <a:t>Training loss decreased significantly from ~6 to ~1.5, indicating successful learning.</a:t>
-            </a:r>
-          </a:p>
-          <a:p>
-            <a:pPr algn="l" eaLnBrk="0" fontAlgn="base" hangingPunct="0">
-              <a:lnSpc>
-                <a:spcPct val="100000"/>
-              </a:lnSpc>
-              <a:spcBef>
-                <a:spcPct val="0"/>
-              </a:spcBef>
-              <a:spcAft>
-                <a:spcPct val="0"/>
-              </a:spcAft>
-              <a:buClr>
-                <a:srgbClr val="00B050"/>
-              </a:buClr>
-            </a:pPr>
-            <a:endParaRPr lang="en-US" altLang="en-US" sz="2000" dirty="0">
-              <a:latin typeface="Arial" panose="020B0604020202020204" pitchFamily="34" charset="0"/>
-            </a:endParaRPr>
-          </a:p>
-          <a:p>
-            <a:pPr marL="342900" indent="-342900" algn="l" eaLnBrk="0" fontAlgn="base" hangingPunct="0">
-              <a:lnSpc>
-                <a:spcPct val="100000"/>
-              </a:lnSpc>
-              <a:spcBef>
-                <a:spcPct val="0"/>
-              </a:spcBef>
-              <a:spcAft>
-                <a:spcPct val="0"/>
-              </a:spcAft>
-              <a:buClr>
-                <a:srgbClr val="00B050"/>
-              </a:buClr>
-              <a:buFont typeface="Wingdings" panose="05000000000000000000" pitchFamily="2" charset="2"/>
-              <a:buChar char="Ø"/>
-            </a:pPr>
-            <a:r>
-              <a:rPr lang="en-US" altLang="en-US" sz="2000" dirty="0">
-                <a:latin typeface="Arial" panose="020B0604020202020204" pitchFamily="34" charset="0"/>
-              </a:rPr>
-              <a:t>Accuracy and F1 Score Improvement</a:t>
-            </a:r>
-          </a:p>
-          <a:p>
-            <a:pPr marL="800100" lvl="1" indent="-342900" algn="l" eaLnBrk="0" fontAlgn="base" hangingPunct="0">
-              <a:lnSpc>
-                <a:spcPct val="100000"/>
-              </a:lnSpc>
-              <a:spcBef>
-                <a:spcPct val="0"/>
-              </a:spcBef>
-              <a:spcAft>
-                <a:spcPct val="0"/>
-              </a:spcAft>
-              <a:buClr>
-                <a:srgbClr val="00B050"/>
-              </a:buClr>
-              <a:buFont typeface="Wingdings" panose="05000000000000000000" pitchFamily="2" charset="2"/>
-              <a:buChar char="Ø"/>
-            </a:pPr>
-            <a:r>
-              <a:rPr lang="en-US" altLang="en-US" sz="1600" dirty="0">
-                <a:latin typeface="Arial" panose="020B0604020202020204" pitchFamily="34" charset="0"/>
-              </a:rPr>
-              <a:t>Both metrics show substantial increase, reaching ~65% for training data.</a:t>
-            </a:r>
-            <a:endParaRPr lang="en-US" altLang="en-US" sz="2000" dirty="0">
-              <a:latin typeface="Arial" panose="020B0604020202020204" pitchFamily="34" charset="0"/>
-            </a:endParaRPr>
-          </a:p>
-          <a:p>
-            <a:pPr marL="800100" lvl="1" indent="-342900" algn="l" eaLnBrk="0" fontAlgn="base" hangingPunct="0">
-              <a:lnSpc>
-                <a:spcPct val="100000"/>
-              </a:lnSpc>
-              <a:spcBef>
-                <a:spcPct val="0"/>
-              </a:spcBef>
-              <a:spcAft>
-                <a:spcPct val="0"/>
-              </a:spcAft>
-              <a:buClr>
-                <a:srgbClr val="00B050"/>
-              </a:buClr>
-              <a:buFont typeface="Wingdings" panose="05000000000000000000" pitchFamily="2" charset="2"/>
-              <a:buChar char="Ø"/>
-            </a:pPr>
-            <a:r>
-              <a:rPr lang="en-US" altLang="en-US" sz="1600" dirty="0">
-                <a:latin typeface="Arial" panose="020B0604020202020204" pitchFamily="34" charset="0"/>
-              </a:rPr>
-              <a:t>Validation scores stabilized around 8%, suggesting room for further optimization.</a:t>
-            </a:r>
-          </a:p>
-          <a:p>
-            <a:pPr marL="342900" indent="-342900" algn="l" eaLnBrk="0" fontAlgn="base" hangingPunct="0">
-              <a:lnSpc>
-                <a:spcPct val="100000"/>
-              </a:lnSpc>
-              <a:spcBef>
-                <a:spcPct val="0"/>
-              </a:spcBef>
-              <a:spcAft>
-                <a:spcPct val="0"/>
-              </a:spcAft>
-              <a:buClr>
-                <a:srgbClr val="00B050"/>
-              </a:buClr>
-              <a:buFont typeface="Wingdings" panose="05000000000000000000" pitchFamily="2" charset="2"/>
-              <a:buChar char="Ø"/>
-            </a:pPr>
-            <a:endParaRPr lang="en-US" altLang="en-US" sz="2000" dirty="0">
-              <a:latin typeface="Arial" panose="020B0604020202020204" pitchFamily="34" charset="0"/>
-            </a:endParaRPr>
-          </a:p>
-          <a:p>
-            <a:pPr marL="342900" indent="-342900" algn="l" eaLnBrk="0" fontAlgn="base" hangingPunct="0">
-              <a:lnSpc>
-                <a:spcPct val="100000"/>
-              </a:lnSpc>
-              <a:spcBef>
-                <a:spcPct val="0"/>
-              </a:spcBef>
-              <a:spcAft>
-                <a:spcPct val="0"/>
-              </a:spcAft>
-              <a:buClr>
-                <a:srgbClr val="00B050"/>
-              </a:buClr>
-              <a:buFont typeface="Wingdings" panose="05000000000000000000" pitchFamily="2" charset="2"/>
-              <a:buChar char="Ø"/>
-            </a:pPr>
-            <a:r>
-              <a:rPr lang="en-US" altLang="en-US" sz="2000" dirty="0">
-                <a:latin typeface="Arial" panose="020B0604020202020204" pitchFamily="34" charset="0"/>
-              </a:rPr>
-              <a:t>Model Convergence</a:t>
-            </a:r>
-          </a:p>
-          <a:p>
-            <a:pPr marL="800100" lvl="1" indent="-342900" algn="l" eaLnBrk="0" fontAlgn="base" hangingPunct="0">
-              <a:lnSpc>
-                <a:spcPct val="100000"/>
-              </a:lnSpc>
-              <a:spcBef>
-                <a:spcPct val="0"/>
-              </a:spcBef>
-              <a:spcAft>
-                <a:spcPct val="0"/>
-              </a:spcAft>
-              <a:buClr>
-                <a:srgbClr val="00B050"/>
-              </a:buClr>
-              <a:buFont typeface="Wingdings" panose="05000000000000000000" pitchFamily="2" charset="2"/>
-              <a:buChar char="Ø"/>
-            </a:pPr>
-            <a:r>
-              <a:rPr lang="en-US" altLang="en-US" sz="1600" dirty="0">
-                <a:latin typeface="Arial" panose="020B0604020202020204" pitchFamily="34" charset="0"/>
-              </a:rPr>
-              <a:t>Training metrics stabilized after about 15 epochs, indicating efficient learning.</a:t>
-            </a:r>
-            <a:endParaRPr lang="en-US" altLang="en-US" sz="2000" dirty="0">
-              <a:latin typeface="Arial" panose="020B0604020202020204" pitchFamily="34" charset="0"/>
-            </a:endParaRPr>
-          </a:p>
-          <a:p>
-            <a:pPr marL="800100" lvl="1" indent="-342900" algn="l" eaLnBrk="0" fontAlgn="base" hangingPunct="0">
-              <a:lnSpc>
-                <a:spcPct val="100000"/>
-              </a:lnSpc>
-              <a:spcBef>
-                <a:spcPct val="0"/>
-              </a:spcBef>
-              <a:spcAft>
-                <a:spcPct val="0"/>
-              </a:spcAft>
-              <a:buClr>
-                <a:srgbClr val="00B050"/>
-              </a:buClr>
-              <a:buFont typeface="Wingdings" panose="05000000000000000000" pitchFamily="2" charset="2"/>
-              <a:buChar char="Ø"/>
-            </a:pPr>
-            <a:r>
-              <a:rPr lang="en-US" altLang="en-US" sz="1600" dirty="0">
-                <a:latin typeface="Arial" panose="020B0604020202020204" pitchFamily="34" charset="0"/>
-              </a:rPr>
-              <a:t>Gap between training and validation performance suggests </a:t>
-            </a:r>
-            <a:r>
-              <a:rPr lang="en-US" altLang="en-US" sz="1600" dirty="0">
-                <a:solidFill>
-                  <a:srgbClr val="C00000"/>
-                </a:solidFill>
-                <a:latin typeface="Arial" panose="020B0604020202020204" pitchFamily="34" charset="0"/>
-              </a:rPr>
-              <a:t>potential overfitting</a:t>
-            </a:r>
-            <a:r>
-              <a:rPr lang="en-US" altLang="en-US" sz="1600" dirty="0">
-                <a:latin typeface="Arial" panose="020B0604020202020204" pitchFamily="34" charset="0"/>
-              </a:rPr>
-              <a:t>.</a:t>
-            </a:r>
-          </a:p>
-        </p:txBody>
-      </p:sp>
       <p:pic>
         <p:nvPicPr>
-          <p:cNvPr id="13" name="Picture 12">
-            <a:extLst>
-              <a:ext uri="{FF2B5EF4-FFF2-40B4-BE49-F238E27FC236}">
-                <a16:creationId xmlns:a16="http://schemas.microsoft.com/office/drawing/2014/main" id="{ED70373C-8AC0-59AD-23D9-DE9AB7C85637}"/>
+          <p:cNvPr id="9" name="Picture 8">
+            <a:extLst>
+              <a:ext uri="{FF2B5EF4-FFF2-40B4-BE49-F238E27FC236}">
+                <a16:creationId xmlns:a16="http://schemas.microsoft.com/office/drawing/2014/main" id="{90EAE37B-4A9F-45ED-60D1-3486755FB71A}"/>
               </a:ext>
             </a:extLst>
           </p:cNvPr>
@@ -8857,8 +8537,8 @@
         </p:blipFill>
         <p:spPr>
           <a:xfrm>
-            <a:off x="1385046" y="233338"/>
-            <a:ext cx="541067" cy="571550"/>
+            <a:off x="1603160" y="1612013"/>
+            <a:ext cx="10081686" cy="3360562"/>
           </a:xfrm>
           <a:prstGeom prst="rect">
             <a:avLst/>
@@ -8867,10 +8547,10 @@
       </p:pic>
       <p:pic>
         <p:nvPicPr>
-          <p:cNvPr id="17" name="Picture 16">
-            <a:extLst>
-              <a:ext uri="{FF2B5EF4-FFF2-40B4-BE49-F238E27FC236}">
-                <a16:creationId xmlns:a16="http://schemas.microsoft.com/office/drawing/2014/main" id="{841DDC40-F220-ECCD-64DA-1F0AB1C509CC}"/>
+          <p:cNvPr id="6" name="Picture 5">
+            <a:extLst>
+              <a:ext uri="{FF2B5EF4-FFF2-40B4-BE49-F238E27FC236}">
+                <a16:creationId xmlns:a16="http://schemas.microsoft.com/office/drawing/2014/main" id="{45924DEB-25F0-88CA-747F-8671B192EA8F}"/>
               </a:ext>
             </a:extLst>
           </p:cNvPr>
@@ -8880,48 +8560,15 @@
           <p:nvPr/>
         </p:nvPicPr>
         <p:blipFill>
-          <a:blip r:embed="rId3">
-            <a:alphaModFix amt="70000"/>
-          </a:blip>
+          <a:blip r:embed="rId3"/>
           <a:stretch>
             <a:fillRect/>
           </a:stretch>
         </p:blipFill>
         <p:spPr>
           <a:xfrm>
-            <a:off x="1458124" y="4607066"/>
-            <a:ext cx="5349704" cy="1607959"/>
-          </a:xfrm>
-          <a:prstGeom prst="rect">
-            <a:avLst/>
-          </a:prstGeom>
-        </p:spPr>
-      </p:pic>
-      <p:pic>
-        <p:nvPicPr>
-          <p:cNvPr id="15" name="Picture 14">
-            <a:extLst>
-              <a:ext uri="{FF2B5EF4-FFF2-40B4-BE49-F238E27FC236}">
-                <a16:creationId xmlns:a16="http://schemas.microsoft.com/office/drawing/2014/main" id="{DFD643D7-D7E0-77B2-75D2-D19AC405F8BB}"/>
-              </a:ext>
-            </a:extLst>
-          </p:cNvPr>
-          <p:cNvPicPr>
-            <a:picLocks noChangeAspect="1"/>
-          </p:cNvPicPr>
-          <p:nvPr/>
-        </p:nvPicPr>
-        <p:blipFill rotWithShape="1">
-          <a:blip r:embed="rId4">
-            <a:alphaModFix amt="70000"/>
-          </a:blip>
-          <a:srcRect t="65357" r="23262"/>
-          <a:stretch/>
-        </p:blipFill>
-        <p:spPr>
-          <a:xfrm>
-            <a:off x="4722941" y="4004551"/>
-            <a:ext cx="7239759" cy="939858"/>
+            <a:off x="1385046" y="238626"/>
+            <a:ext cx="541067" cy="571550"/>
           </a:xfrm>
           <a:prstGeom prst="rect">
             <a:avLst/>
@@ -8931,7 +8578,7 @@
     </p:spTree>
     <p:extLst>
       <p:ext uri="{BB962C8B-B14F-4D97-AF65-F5344CB8AC3E}">
-        <p14:creationId xmlns:p14="http://schemas.microsoft.com/office/powerpoint/2010/main" val="3847532656"/>
+        <p14:creationId xmlns:p14="http://schemas.microsoft.com/office/powerpoint/2010/main" val="1231882250"/>
       </p:ext>
     </p:extLst>
   </p:cSld>
@@ -8992,6 +8639,489 @@
                   <a:srgbClr val="00B050"/>
                 </a:solidFill>
               </a:rPr>
+              <a:t>    Results and Evaluation</a:t>
+            </a:r>
+          </a:p>
+        </p:txBody>
+      </p:sp>
+      <p:sp>
+        <p:nvSpPr>
+          <p:cNvPr id="4" name="Rectangle 1">
+            <a:extLst>
+              <a:ext uri="{FF2B5EF4-FFF2-40B4-BE49-F238E27FC236}">
+                <a16:creationId xmlns:a16="http://schemas.microsoft.com/office/drawing/2014/main" id="{1D48F620-03B0-33F7-9885-DBCF1A4D8771}"/>
+              </a:ext>
+            </a:extLst>
+          </p:cNvPr>
+          <p:cNvSpPr>
+            <a:spLocks noGrp="1" noChangeArrowheads="1"/>
+          </p:cNvSpPr>
+          <p:nvPr>
+            <p:ph type="subTitle" idx="1"/>
+          </p:nvPr>
+        </p:nvSpPr>
+        <p:spPr bwMode="auto">
+          <a:xfrm>
+            <a:off x="1385046" y="1069075"/>
+            <a:ext cx="8567153" cy="2862322"/>
+          </a:xfrm>
+          <a:prstGeom prst="rect">
+            <a:avLst/>
+          </a:prstGeom>
+          <a:noFill/>
+          <a:ln>
+            <a:noFill/>
+          </a:ln>
+          <a:effectLst/>
+          <a:extLst>
+            <a:ext uri="{909E8E84-426E-40DD-AFC4-6F175D3DCCD1}">
+              <a14:hiddenFill xmlns:a14="http://schemas.microsoft.com/office/drawing/2010/main">
+                <a:solidFill>
+                  <a:schemeClr val="accent1"/>
+                </a:solidFill>
+              </a14:hiddenFill>
+            </a:ext>
+            <a:ext uri="{91240B29-F687-4F45-9708-019B960494DF}">
+              <a14:hiddenLine xmlns:a14="http://schemas.microsoft.com/office/drawing/2010/main" w="9525">
+                <a:solidFill>
+                  <a:schemeClr val="tx1"/>
+                </a:solidFill>
+                <a:miter lim="800000"/>
+                <a:headEnd/>
+                <a:tailEnd/>
+              </a14:hiddenLine>
+            </a:ext>
+            <a:ext uri="{AF507438-7753-43E0-B8FC-AC1667EBCBE1}">
+              <a14:hiddenEffects xmlns:a14="http://schemas.microsoft.com/office/drawing/2010/main">
+                <a:effectLst>
+                  <a:outerShdw dist="35921" dir="2700000" algn="ctr" rotWithShape="0">
+                    <a:schemeClr val="bg2"/>
+                  </a:outerShdw>
+                </a:effectLst>
+              </a14:hiddenEffects>
+            </a:ext>
+          </a:extLst>
+        </p:spPr>
+        <p:txBody>
+          <a:bodyPr vert="horz" wrap="none" lIns="91440" tIns="45720" rIns="91440" bIns="45720" numCol="1" anchor="ctr" anchorCtr="0" compatLnSpc="1">
+            <a:prstTxWarp prst="textNoShape">
+              <a:avLst/>
+            </a:prstTxWarp>
+            <a:spAutoFit/>
+          </a:bodyPr>
+          <a:lstStyle/>
+          <a:p>
+            <a:pPr marL="342900" indent="-342900" algn="l" eaLnBrk="0" fontAlgn="base" hangingPunct="0">
+              <a:lnSpc>
+                <a:spcPct val="100000"/>
+              </a:lnSpc>
+              <a:spcBef>
+                <a:spcPct val="0"/>
+              </a:spcBef>
+              <a:spcAft>
+                <a:spcPct val="0"/>
+              </a:spcAft>
+              <a:buClr>
+                <a:srgbClr val="00B050"/>
+              </a:buClr>
+              <a:buFont typeface="Wingdings" panose="05000000000000000000" pitchFamily="2" charset="2"/>
+              <a:buChar char="Ø"/>
+            </a:pPr>
+            <a:r>
+              <a:rPr lang="en-US" altLang="en-US" sz="2000" dirty="0">
+                <a:latin typeface="Arial" panose="020B0604020202020204" pitchFamily="34" charset="0"/>
+              </a:rPr>
+              <a:t>Loss Reduction</a:t>
+            </a:r>
+          </a:p>
+          <a:p>
+            <a:pPr marL="800100" lvl="1" indent="-342900" algn="l" eaLnBrk="0" fontAlgn="base" hangingPunct="0">
+              <a:lnSpc>
+                <a:spcPct val="100000"/>
+              </a:lnSpc>
+              <a:spcBef>
+                <a:spcPct val="0"/>
+              </a:spcBef>
+              <a:spcAft>
+                <a:spcPct val="0"/>
+              </a:spcAft>
+              <a:buClr>
+                <a:srgbClr val="00B050"/>
+              </a:buClr>
+              <a:buFont typeface="Wingdings" panose="05000000000000000000" pitchFamily="2" charset="2"/>
+              <a:buChar char="Ø"/>
+            </a:pPr>
+            <a:r>
+              <a:rPr lang="en-US" altLang="en-US" sz="1600" dirty="0">
+                <a:latin typeface="Arial" panose="020B0604020202020204" pitchFamily="34" charset="0"/>
+              </a:rPr>
+              <a:t>Training loss decreased significantly from ~6 to ~1.5, indicating successful learning.</a:t>
+            </a:r>
+          </a:p>
+          <a:p>
+            <a:pPr algn="l" eaLnBrk="0" fontAlgn="base" hangingPunct="0">
+              <a:lnSpc>
+                <a:spcPct val="100000"/>
+              </a:lnSpc>
+              <a:spcBef>
+                <a:spcPct val="0"/>
+              </a:spcBef>
+              <a:spcAft>
+                <a:spcPct val="0"/>
+              </a:spcAft>
+              <a:buClr>
+                <a:srgbClr val="00B050"/>
+              </a:buClr>
+            </a:pPr>
+            <a:endParaRPr lang="en-US" altLang="en-US" sz="2000" dirty="0">
+              <a:latin typeface="Arial" panose="020B0604020202020204" pitchFamily="34" charset="0"/>
+            </a:endParaRPr>
+          </a:p>
+          <a:p>
+            <a:pPr marL="342900" indent="-342900" algn="l" eaLnBrk="0" fontAlgn="base" hangingPunct="0">
+              <a:lnSpc>
+                <a:spcPct val="100000"/>
+              </a:lnSpc>
+              <a:spcBef>
+                <a:spcPct val="0"/>
+              </a:spcBef>
+              <a:spcAft>
+                <a:spcPct val="0"/>
+              </a:spcAft>
+              <a:buClr>
+                <a:srgbClr val="00B050"/>
+              </a:buClr>
+              <a:buFont typeface="Wingdings" panose="05000000000000000000" pitchFamily="2" charset="2"/>
+              <a:buChar char="Ø"/>
+            </a:pPr>
+            <a:r>
+              <a:rPr lang="en-US" altLang="en-US" sz="2000" dirty="0">
+                <a:latin typeface="Arial" panose="020B0604020202020204" pitchFamily="34" charset="0"/>
+              </a:rPr>
+              <a:t>Accuracy and F1 Score Improvement</a:t>
+            </a:r>
+          </a:p>
+          <a:p>
+            <a:pPr marL="800100" lvl="1" indent="-342900" algn="l" eaLnBrk="0" fontAlgn="base" hangingPunct="0">
+              <a:lnSpc>
+                <a:spcPct val="100000"/>
+              </a:lnSpc>
+              <a:spcBef>
+                <a:spcPct val="0"/>
+              </a:spcBef>
+              <a:spcAft>
+                <a:spcPct val="0"/>
+              </a:spcAft>
+              <a:buClr>
+                <a:srgbClr val="00B050"/>
+              </a:buClr>
+              <a:buFont typeface="Wingdings" panose="05000000000000000000" pitchFamily="2" charset="2"/>
+              <a:buChar char="Ø"/>
+            </a:pPr>
+            <a:r>
+              <a:rPr lang="en-US" altLang="en-US" sz="1600" dirty="0">
+                <a:latin typeface="Arial" panose="020B0604020202020204" pitchFamily="34" charset="0"/>
+              </a:rPr>
+              <a:t>Both metrics show substantial increase, reaching ~65% for training data.</a:t>
+            </a:r>
+            <a:endParaRPr lang="en-US" altLang="en-US" sz="2000" dirty="0">
+              <a:latin typeface="Arial" panose="020B0604020202020204" pitchFamily="34" charset="0"/>
+            </a:endParaRPr>
+          </a:p>
+          <a:p>
+            <a:pPr marL="800100" lvl="1" indent="-342900" algn="l" eaLnBrk="0" fontAlgn="base" hangingPunct="0">
+              <a:lnSpc>
+                <a:spcPct val="100000"/>
+              </a:lnSpc>
+              <a:spcBef>
+                <a:spcPct val="0"/>
+              </a:spcBef>
+              <a:spcAft>
+                <a:spcPct val="0"/>
+              </a:spcAft>
+              <a:buClr>
+                <a:srgbClr val="00B050"/>
+              </a:buClr>
+              <a:buFont typeface="Wingdings" panose="05000000000000000000" pitchFamily="2" charset="2"/>
+              <a:buChar char="Ø"/>
+            </a:pPr>
+            <a:r>
+              <a:rPr lang="en-US" altLang="en-US" sz="1600" dirty="0">
+                <a:latin typeface="Arial" panose="020B0604020202020204" pitchFamily="34" charset="0"/>
+              </a:rPr>
+              <a:t>Validation scores stabilized around 8%, suggesting room for further optimization.</a:t>
+            </a:r>
+          </a:p>
+          <a:p>
+            <a:pPr marL="342900" indent="-342900" algn="l" eaLnBrk="0" fontAlgn="base" hangingPunct="0">
+              <a:lnSpc>
+                <a:spcPct val="100000"/>
+              </a:lnSpc>
+              <a:spcBef>
+                <a:spcPct val="0"/>
+              </a:spcBef>
+              <a:spcAft>
+                <a:spcPct val="0"/>
+              </a:spcAft>
+              <a:buClr>
+                <a:srgbClr val="00B050"/>
+              </a:buClr>
+              <a:buFont typeface="Wingdings" panose="05000000000000000000" pitchFamily="2" charset="2"/>
+              <a:buChar char="Ø"/>
+            </a:pPr>
+            <a:endParaRPr lang="en-US" altLang="en-US" sz="2000" dirty="0">
+              <a:latin typeface="Arial" panose="020B0604020202020204" pitchFamily="34" charset="0"/>
+            </a:endParaRPr>
+          </a:p>
+          <a:p>
+            <a:pPr marL="342900" indent="-342900" algn="l" eaLnBrk="0" fontAlgn="base" hangingPunct="0">
+              <a:lnSpc>
+                <a:spcPct val="100000"/>
+              </a:lnSpc>
+              <a:spcBef>
+                <a:spcPct val="0"/>
+              </a:spcBef>
+              <a:spcAft>
+                <a:spcPct val="0"/>
+              </a:spcAft>
+              <a:buClr>
+                <a:srgbClr val="00B050"/>
+              </a:buClr>
+              <a:buFont typeface="Wingdings" panose="05000000000000000000" pitchFamily="2" charset="2"/>
+              <a:buChar char="Ø"/>
+            </a:pPr>
+            <a:r>
+              <a:rPr lang="en-US" altLang="en-US" sz="2000" dirty="0">
+                <a:latin typeface="Arial" panose="020B0604020202020204" pitchFamily="34" charset="0"/>
+              </a:rPr>
+              <a:t>Model Convergence</a:t>
+            </a:r>
+          </a:p>
+          <a:p>
+            <a:pPr marL="800100" lvl="1" indent="-342900" algn="l" eaLnBrk="0" fontAlgn="base" hangingPunct="0">
+              <a:lnSpc>
+                <a:spcPct val="100000"/>
+              </a:lnSpc>
+              <a:spcBef>
+                <a:spcPct val="0"/>
+              </a:spcBef>
+              <a:spcAft>
+                <a:spcPct val="0"/>
+              </a:spcAft>
+              <a:buClr>
+                <a:srgbClr val="00B050"/>
+              </a:buClr>
+              <a:buFont typeface="Wingdings" panose="05000000000000000000" pitchFamily="2" charset="2"/>
+              <a:buChar char="Ø"/>
+            </a:pPr>
+            <a:r>
+              <a:rPr lang="en-US" altLang="en-US" sz="1600" dirty="0">
+                <a:latin typeface="Arial" panose="020B0604020202020204" pitchFamily="34" charset="0"/>
+              </a:rPr>
+              <a:t>Training metrics stabilized after about 15 epochs, indicating efficient learning.</a:t>
+            </a:r>
+            <a:endParaRPr lang="en-US" altLang="en-US" sz="2000" dirty="0">
+              <a:latin typeface="Arial" panose="020B0604020202020204" pitchFamily="34" charset="0"/>
+            </a:endParaRPr>
+          </a:p>
+          <a:p>
+            <a:pPr marL="800100" lvl="1" indent="-342900" algn="l" eaLnBrk="0" fontAlgn="base" hangingPunct="0">
+              <a:lnSpc>
+                <a:spcPct val="100000"/>
+              </a:lnSpc>
+              <a:spcBef>
+                <a:spcPct val="0"/>
+              </a:spcBef>
+              <a:spcAft>
+                <a:spcPct val="0"/>
+              </a:spcAft>
+              <a:buClr>
+                <a:srgbClr val="00B050"/>
+              </a:buClr>
+              <a:buFont typeface="Wingdings" panose="05000000000000000000" pitchFamily="2" charset="2"/>
+              <a:buChar char="Ø"/>
+            </a:pPr>
+            <a:r>
+              <a:rPr lang="en-US" altLang="en-US" sz="1600" dirty="0">
+                <a:latin typeface="Arial" panose="020B0604020202020204" pitchFamily="34" charset="0"/>
+              </a:rPr>
+              <a:t>Gap between training and validation performance suggests </a:t>
+            </a:r>
+            <a:r>
+              <a:rPr lang="en-US" altLang="en-US" sz="1600" dirty="0">
+                <a:solidFill>
+                  <a:srgbClr val="C00000"/>
+                </a:solidFill>
+                <a:latin typeface="Arial" panose="020B0604020202020204" pitchFamily="34" charset="0"/>
+              </a:rPr>
+              <a:t>potential overfitting</a:t>
+            </a:r>
+            <a:r>
+              <a:rPr lang="en-US" altLang="en-US" sz="1600" dirty="0">
+                <a:latin typeface="Arial" panose="020B0604020202020204" pitchFamily="34" charset="0"/>
+              </a:rPr>
+              <a:t>.</a:t>
+            </a:r>
+          </a:p>
+        </p:txBody>
+      </p:sp>
+      <p:pic>
+        <p:nvPicPr>
+          <p:cNvPr id="13" name="Picture 12">
+            <a:extLst>
+              <a:ext uri="{FF2B5EF4-FFF2-40B4-BE49-F238E27FC236}">
+                <a16:creationId xmlns:a16="http://schemas.microsoft.com/office/drawing/2014/main" id="{ED70373C-8AC0-59AD-23D9-DE9AB7C85637}"/>
+              </a:ext>
+            </a:extLst>
+          </p:cNvPr>
+          <p:cNvPicPr>
+            <a:picLocks noChangeAspect="1"/>
+          </p:cNvPicPr>
+          <p:nvPr/>
+        </p:nvPicPr>
+        <p:blipFill>
+          <a:blip r:embed="rId2"/>
+          <a:stretch>
+            <a:fillRect/>
+          </a:stretch>
+        </p:blipFill>
+        <p:spPr>
+          <a:xfrm>
+            <a:off x="1385046" y="233338"/>
+            <a:ext cx="541067" cy="571550"/>
+          </a:xfrm>
+          <a:prstGeom prst="rect">
+            <a:avLst/>
+          </a:prstGeom>
+        </p:spPr>
+      </p:pic>
+      <p:pic>
+        <p:nvPicPr>
+          <p:cNvPr id="17" name="Picture 16">
+            <a:extLst>
+              <a:ext uri="{FF2B5EF4-FFF2-40B4-BE49-F238E27FC236}">
+                <a16:creationId xmlns:a16="http://schemas.microsoft.com/office/drawing/2014/main" id="{841DDC40-F220-ECCD-64DA-1F0AB1C509CC}"/>
+              </a:ext>
+            </a:extLst>
+          </p:cNvPr>
+          <p:cNvPicPr>
+            <a:picLocks noChangeAspect="1"/>
+          </p:cNvPicPr>
+          <p:nvPr/>
+        </p:nvPicPr>
+        <p:blipFill>
+          <a:blip r:embed="rId3">
+            <a:alphaModFix amt="70000"/>
+          </a:blip>
+          <a:stretch>
+            <a:fillRect/>
+          </a:stretch>
+        </p:blipFill>
+        <p:spPr>
+          <a:xfrm>
+            <a:off x="1458124" y="4607066"/>
+            <a:ext cx="5349704" cy="1607959"/>
+          </a:xfrm>
+          <a:prstGeom prst="rect">
+            <a:avLst/>
+          </a:prstGeom>
+        </p:spPr>
+      </p:pic>
+      <p:pic>
+        <p:nvPicPr>
+          <p:cNvPr id="15" name="Picture 14">
+            <a:extLst>
+              <a:ext uri="{FF2B5EF4-FFF2-40B4-BE49-F238E27FC236}">
+                <a16:creationId xmlns:a16="http://schemas.microsoft.com/office/drawing/2014/main" id="{DFD643D7-D7E0-77B2-75D2-D19AC405F8BB}"/>
+              </a:ext>
+            </a:extLst>
+          </p:cNvPr>
+          <p:cNvPicPr>
+            <a:picLocks noChangeAspect="1"/>
+          </p:cNvPicPr>
+          <p:nvPr/>
+        </p:nvPicPr>
+        <p:blipFill rotWithShape="1">
+          <a:blip r:embed="rId4">
+            <a:alphaModFix amt="70000"/>
+          </a:blip>
+          <a:srcRect t="65357" r="23262"/>
+          <a:stretch/>
+        </p:blipFill>
+        <p:spPr>
+          <a:xfrm>
+            <a:off x="4722941" y="4004551"/>
+            <a:ext cx="7239759" cy="939858"/>
+          </a:xfrm>
+          <a:prstGeom prst="rect">
+            <a:avLst/>
+          </a:prstGeom>
+        </p:spPr>
+      </p:pic>
+    </p:spTree>
+    <p:extLst>
+      <p:ext uri="{BB962C8B-B14F-4D97-AF65-F5344CB8AC3E}">
+        <p14:creationId xmlns:p14="http://schemas.microsoft.com/office/powerpoint/2010/main" val="3847532656"/>
+      </p:ext>
+    </p:extLst>
+  </p:cSld>
+  <p:clrMapOvr>
+    <a:masterClrMapping/>
+  </p:clrMapOvr>
+</p:sld>
+</file>
+
+<file path=ppt/slides/slide12.xml><?xml version="1.0" encoding="utf-8"?>
+<p:sld xmlns:a="http://schemas.openxmlformats.org/drawingml/2006/main" xmlns:r="http://schemas.openxmlformats.org/officeDocument/2006/relationships" xmlns:p="http://schemas.openxmlformats.org/presentationml/2006/main">
+  <p:cSld>
+    <p:spTree>
+      <p:nvGrpSpPr>
+        <p:cNvPr id="1" name=""/>
+        <p:cNvGrpSpPr/>
+        <p:nvPr/>
+      </p:nvGrpSpPr>
+      <p:grpSpPr>
+        <a:xfrm>
+          <a:off x="0" y="0"/>
+          <a:ext cx="0" cy="0"/>
+          <a:chOff x="0" y="0"/>
+          <a:chExt cx="0" cy="0"/>
+        </a:xfrm>
+      </p:grpSpPr>
+      <p:sp>
+        <p:nvSpPr>
+          <p:cNvPr id="3" name="Title 2">
+            <a:extLst>
+              <a:ext uri="{FF2B5EF4-FFF2-40B4-BE49-F238E27FC236}">
+                <a16:creationId xmlns:a16="http://schemas.microsoft.com/office/drawing/2014/main" id="{514E18DA-633D-6948-B817-FCBF3D8405C8}"/>
+              </a:ext>
+            </a:extLst>
+          </p:cNvPr>
+          <p:cNvSpPr>
+            <a:spLocks noGrp="1"/>
+          </p:cNvSpPr>
+          <p:nvPr>
+            <p:ph type="title"/>
+          </p:nvPr>
+        </p:nvSpPr>
+        <p:spPr>
+          <a:xfrm>
+            <a:off x="1385046" y="91129"/>
+            <a:ext cx="9968753" cy="939858"/>
+          </a:xfrm>
+        </p:spPr>
+        <p:txBody>
+          <a:bodyPr>
+            <a:normAutofit/>
+          </a:bodyPr>
+          <a:lstStyle/>
+          <a:p>
+            <a:r>
+              <a:rPr lang="en-US" sz="4000" b="1" dirty="0">
+                <a:solidFill>
+                  <a:srgbClr val="00B050"/>
+                </a:solidFill>
+              </a:rPr>
               <a:t>    Conclusion and Future Work</a:t>
             </a:r>
           </a:p>
@@ -9885,7 +10015,7 @@
 </p:sld>
 </file>
 
-<file path=ppt/slides/slide12.xml><?xml version="1.0" encoding="utf-8"?>
+<file path=ppt/slides/slide13.xml><?xml version="1.0" encoding="utf-8"?>
 <p:sld xmlns:a="http://schemas.openxmlformats.org/drawingml/2006/main" xmlns:r="http://schemas.openxmlformats.org/officeDocument/2006/relationships" xmlns:p="http://schemas.openxmlformats.org/presentationml/2006/main">
   <p:cSld>
     <p:spTree>
@@ -10938,7 +11068,7 @@
         </p:nvSpPr>
         <p:spPr bwMode="auto">
           <a:xfrm>
-            <a:off x="1385046" y="900603"/>
+            <a:off x="1385046" y="1100658"/>
             <a:ext cx="7449475" cy="400110"/>
           </a:xfrm>
           <a:prstGeom prst="rect">
@@ -11052,7 +11182,7 @@
         </p:blipFill>
         <p:spPr>
           <a:xfrm>
-            <a:off x="1789999" y="1266737"/>
+            <a:off x="2578148" y="1661025"/>
             <a:ext cx="6902617" cy="1258349"/>
           </a:xfrm>
           <a:prstGeom prst="rect">
@@ -11076,8 +11206,8 @@
         </p:nvSpPr>
         <p:spPr bwMode="auto">
           <a:xfrm>
-            <a:off x="1385045" y="2532658"/>
-            <a:ext cx="8275214" cy="400110"/>
+            <a:off x="1385045" y="3075057"/>
+            <a:ext cx="9288825" cy="707886"/>
           </a:xfrm>
           <a:prstGeom prst="rect">
             <a:avLst/>
@@ -11323,6 +11453,61 @@
               <a:t> class for efficient data loading</a:t>
             </a:r>
           </a:p>
+          <a:p>
+            <a:pPr algn="l" eaLnBrk="0" fontAlgn="base" hangingPunct="0">
+              <a:lnSpc>
+                <a:spcPct val="100000"/>
+              </a:lnSpc>
+              <a:spcBef>
+                <a:spcPct val="0"/>
+              </a:spcBef>
+              <a:spcAft>
+                <a:spcPct val="0"/>
+              </a:spcAft>
+              <a:buClr>
+                <a:srgbClr val="00B050"/>
+              </a:buClr>
+            </a:pPr>
+            <a:r>
+              <a:rPr lang="en-US" altLang="en-US" sz="1600" i="1" dirty="0">
+                <a:latin typeface="Arial" panose="020B0604020202020204" pitchFamily="34" charset="0"/>
+              </a:rPr>
+              <a:t>      Note: Each </a:t>
+            </a:r>
+            <a:r>
+              <a:rPr lang="en-US" altLang="en-US" sz="1600" i="1" dirty="0" err="1">
+                <a:latin typeface="Arial" panose="020B0604020202020204" pitchFamily="34" charset="0"/>
+              </a:rPr>
+              <a:t>bbox</a:t>
+            </a:r>
+            <a:r>
+              <a:rPr lang="en-US" altLang="en-US" sz="1600" i="1" dirty="0">
+                <a:latin typeface="Arial" panose="020B0604020202020204" pitchFamily="34" charset="0"/>
+              </a:rPr>
+              <a:t> is localized and moved as a new image with label as</a:t>
+            </a:r>
+            <a:r>
+              <a:rPr lang="en-US" altLang="en-US" sz="2000" dirty="0">
+                <a:latin typeface="Arial" panose="020B0604020202020204" pitchFamily="34" charset="0"/>
+              </a:rPr>
+              <a:t> </a:t>
+            </a:r>
+            <a:r>
+              <a:rPr lang="en-US" sz="2000" dirty="0"/>
+              <a:t>instance['</a:t>
+            </a:r>
+            <a:r>
+              <a:rPr lang="en-US" sz="2000" dirty="0" err="1"/>
+              <a:t>category_id</a:t>
+            </a:r>
+            <a:r>
+              <a:rPr lang="en-US" sz="2000" dirty="0"/>
+              <a:t>']</a:t>
+            </a:r>
+            <a:endParaRPr lang="en-US" altLang="en-US" sz="2000" dirty="0">
+              <a:latin typeface="Arial" panose="020B0604020202020204" pitchFamily="34" charset="0"/>
+            </a:endParaRPr>
+          </a:p>
         </p:txBody>
       </p:sp>
       <p:pic>
@@ -11347,7 +11532,7 @@
         </p:blipFill>
         <p:spPr>
           <a:xfrm>
-            <a:off x="1789999" y="2965507"/>
+            <a:off x="2696010" y="3911365"/>
             <a:ext cx="6942140" cy="1371599"/>
           </a:xfrm>
           <a:prstGeom prst="rect">
@@ -11357,10 +11542,10 @@
       </p:pic>
       <p:pic>
         <p:nvPicPr>
-          <p:cNvPr id="20" name="Picture 19">
-            <a:extLst>
-              <a:ext uri="{FF2B5EF4-FFF2-40B4-BE49-F238E27FC236}">
-                <a16:creationId xmlns:a16="http://schemas.microsoft.com/office/drawing/2014/main" id="{3503D4B9-A062-1BC7-61D7-A8C940B80B51}"/>
+          <p:cNvPr id="23" name="Picture 22">
+            <a:extLst>
+              <a:ext uri="{FF2B5EF4-FFF2-40B4-BE49-F238E27FC236}">
+                <a16:creationId xmlns:a16="http://schemas.microsoft.com/office/drawing/2014/main" id="{544B6403-C81A-74E2-B9A4-21321218CC9A}"/>
               </a:ext>
             </a:extLst>
           </p:cNvPr>
@@ -11371,343 +11556,6 @@
         </p:nvPicPr>
         <p:blipFill>
           <a:blip r:embed="rId4"/>
-          <a:stretch>
-            <a:fillRect/>
-          </a:stretch>
-        </p:blipFill>
-        <p:spPr>
-          <a:xfrm>
-            <a:off x="6255392" y="4495994"/>
-            <a:ext cx="5425910" cy="1379340"/>
-          </a:xfrm>
-          <a:prstGeom prst="rect">
-            <a:avLst/>
-          </a:prstGeom>
-        </p:spPr>
-      </p:pic>
-      <p:sp>
-        <p:nvSpPr>
-          <p:cNvPr id="21" name="Rectangle 1">
-            <a:extLst>
-              <a:ext uri="{FF2B5EF4-FFF2-40B4-BE49-F238E27FC236}">
-                <a16:creationId xmlns:a16="http://schemas.microsoft.com/office/drawing/2014/main" id="{E59D5823-0A29-7921-63A1-4766534CF338}"/>
-              </a:ext>
-            </a:extLst>
-          </p:cNvPr>
-          <p:cNvSpPr txBox="1">
-            <a:spLocks noChangeArrowheads="1"/>
-          </p:cNvSpPr>
-          <p:nvPr/>
-        </p:nvSpPr>
-        <p:spPr bwMode="auto">
-          <a:xfrm>
-            <a:off x="1385045" y="4495994"/>
-            <a:ext cx="4963218" cy="892552"/>
-          </a:xfrm>
-          <a:prstGeom prst="rect">
-            <a:avLst/>
-          </a:prstGeom>
-          <a:noFill/>
-          <a:ln>
-            <a:noFill/>
-          </a:ln>
-          <a:effectLst/>
-          <a:extLst>
-            <a:ext uri="{909E8E84-426E-40DD-AFC4-6F175D3DCCD1}">
-              <a14:hiddenFill xmlns:a14="http://schemas.microsoft.com/office/drawing/2010/main">
-                <a:solidFill>
-                  <a:schemeClr val="accent1"/>
-                </a:solidFill>
-              </a14:hiddenFill>
-            </a:ext>
-            <a:ext uri="{91240B29-F687-4F45-9708-019B960494DF}">
-              <a14:hiddenLine xmlns:a14="http://schemas.microsoft.com/office/drawing/2010/main" w="9525">
-                <a:solidFill>
-                  <a:schemeClr val="tx1"/>
-                </a:solidFill>
-                <a:miter lim="800000"/>
-                <a:headEnd/>
-                <a:tailEnd/>
-              </a14:hiddenLine>
-            </a:ext>
-            <a:ext uri="{AF507438-7753-43E0-B8FC-AC1667EBCBE1}">
-              <a14:hiddenEffects xmlns:a14="http://schemas.microsoft.com/office/drawing/2010/main">
-                <a:effectLst>
-                  <a:outerShdw dist="35921" dir="2700000" algn="ctr" rotWithShape="0">
-                    <a:schemeClr val="bg2"/>
-                  </a:outerShdw>
-                </a:effectLst>
-              </a14:hiddenEffects>
-            </a:ext>
-          </a:extLst>
-        </p:spPr>
-        <p:txBody>
-          <a:bodyPr vert="horz" wrap="none" lIns="91440" tIns="45720" rIns="91440" bIns="45720" numCol="1" rtlCol="0" anchor="ctr" anchorCtr="0" compatLnSpc="1">
-            <a:prstTxWarp prst="textNoShape">
-              <a:avLst/>
-            </a:prstTxWarp>
-            <a:spAutoFit/>
-          </a:bodyPr>
-          <a:lstStyle>
-            <a:lvl1pPr marL="0" indent="0" algn="ctr" defTabSz="914400" rtl="0" eaLnBrk="1" latinLnBrk="0" hangingPunct="1">
-              <a:lnSpc>
-                <a:spcPct val="90000"/>
-              </a:lnSpc>
-              <a:spcBef>
-                <a:spcPts val="1000"/>
-              </a:spcBef>
-              <a:buFont typeface="Arial" panose="020B0604020202020204" pitchFamily="34" charset="0"/>
-              <a:buNone/>
-              <a:defRPr sz="2400" kern="1200">
-                <a:solidFill>
-                  <a:schemeClr val="tx1"/>
-                </a:solidFill>
-                <a:latin typeface="+mn-lt"/>
-                <a:ea typeface="+mn-ea"/>
-                <a:cs typeface="+mn-cs"/>
-              </a:defRPr>
-            </a:lvl1pPr>
-            <a:lvl2pPr marL="457200" indent="0" algn="ctr" defTabSz="914400" rtl="0" eaLnBrk="1" latinLnBrk="0" hangingPunct="1">
-              <a:lnSpc>
-                <a:spcPct val="90000"/>
-              </a:lnSpc>
-              <a:spcBef>
-                <a:spcPts val="500"/>
-              </a:spcBef>
-              <a:buFont typeface="Arial" panose="020B0604020202020204" pitchFamily="34" charset="0"/>
-              <a:buNone/>
-              <a:defRPr sz="2000" kern="1200">
-                <a:solidFill>
-                  <a:schemeClr val="tx1"/>
-                </a:solidFill>
-                <a:latin typeface="+mn-lt"/>
-                <a:ea typeface="+mn-ea"/>
-                <a:cs typeface="+mn-cs"/>
-              </a:defRPr>
-            </a:lvl2pPr>
-            <a:lvl3pPr marL="914400" indent="0" algn="ctr" defTabSz="914400" rtl="0" eaLnBrk="1" latinLnBrk="0" hangingPunct="1">
-              <a:lnSpc>
-                <a:spcPct val="90000"/>
-              </a:lnSpc>
-              <a:spcBef>
-                <a:spcPts val="500"/>
-              </a:spcBef>
-              <a:buFont typeface="Arial" panose="020B0604020202020204" pitchFamily="34" charset="0"/>
-              <a:buNone/>
-              <a:defRPr sz="1800" kern="1200">
-                <a:solidFill>
-                  <a:schemeClr val="tx1"/>
-                </a:solidFill>
-                <a:latin typeface="+mn-lt"/>
-                <a:ea typeface="+mn-ea"/>
-                <a:cs typeface="+mn-cs"/>
-              </a:defRPr>
-            </a:lvl3pPr>
-            <a:lvl4pPr marL="1371600" indent="0" algn="ctr" defTabSz="914400" rtl="0" eaLnBrk="1" latinLnBrk="0" hangingPunct="1">
-              <a:lnSpc>
-                <a:spcPct val="90000"/>
-              </a:lnSpc>
-              <a:spcBef>
-                <a:spcPts val="500"/>
-              </a:spcBef>
-              <a:buFont typeface="Arial" panose="020B0604020202020204" pitchFamily="34" charset="0"/>
-              <a:buNone/>
-              <a:defRPr sz="1600" kern="1200">
-                <a:solidFill>
-                  <a:schemeClr val="tx1"/>
-                </a:solidFill>
-                <a:latin typeface="+mn-lt"/>
-                <a:ea typeface="+mn-ea"/>
-                <a:cs typeface="+mn-cs"/>
-              </a:defRPr>
-            </a:lvl4pPr>
-            <a:lvl5pPr marL="1828800" indent="0" algn="ctr" defTabSz="914400" rtl="0" eaLnBrk="1" latinLnBrk="0" hangingPunct="1">
-              <a:lnSpc>
-                <a:spcPct val="90000"/>
-              </a:lnSpc>
-              <a:spcBef>
-                <a:spcPts val="500"/>
-              </a:spcBef>
-              <a:buFont typeface="Arial" panose="020B0604020202020204" pitchFamily="34" charset="0"/>
-              <a:buNone/>
-              <a:defRPr sz="1600" kern="1200">
-                <a:solidFill>
-                  <a:schemeClr val="tx1"/>
-                </a:solidFill>
-                <a:latin typeface="+mn-lt"/>
-                <a:ea typeface="+mn-ea"/>
-                <a:cs typeface="+mn-cs"/>
-              </a:defRPr>
-            </a:lvl5pPr>
-            <a:lvl6pPr marL="2286000" indent="0" algn="ctr" defTabSz="914400" rtl="0" eaLnBrk="1" latinLnBrk="0" hangingPunct="1">
-              <a:lnSpc>
-                <a:spcPct val="90000"/>
-              </a:lnSpc>
-              <a:spcBef>
-                <a:spcPts val="500"/>
-              </a:spcBef>
-              <a:buFont typeface="Arial" panose="020B0604020202020204" pitchFamily="34" charset="0"/>
-              <a:buNone/>
-              <a:defRPr sz="1600" kern="1200">
-                <a:solidFill>
-                  <a:schemeClr val="tx1"/>
-                </a:solidFill>
-                <a:latin typeface="+mn-lt"/>
-                <a:ea typeface="+mn-ea"/>
-                <a:cs typeface="+mn-cs"/>
-              </a:defRPr>
-            </a:lvl6pPr>
-            <a:lvl7pPr marL="2743200" indent="0" algn="ctr" defTabSz="914400" rtl="0" eaLnBrk="1" latinLnBrk="0" hangingPunct="1">
-              <a:lnSpc>
-                <a:spcPct val="90000"/>
-              </a:lnSpc>
-              <a:spcBef>
-                <a:spcPts val="500"/>
-              </a:spcBef>
-              <a:buFont typeface="Arial" panose="020B0604020202020204" pitchFamily="34" charset="0"/>
-              <a:buNone/>
-              <a:defRPr sz="1600" kern="1200">
-                <a:solidFill>
-                  <a:schemeClr val="tx1"/>
-                </a:solidFill>
-                <a:latin typeface="+mn-lt"/>
-                <a:ea typeface="+mn-ea"/>
-                <a:cs typeface="+mn-cs"/>
-              </a:defRPr>
-            </a:lvl7pPr>
-            <a:lvl8pPr marL="3200400" indent="0" algn="ctr" defTabSz="914400" rtl="0" eaLnBrk="1" latinLnBrk="0" hangingPunct="1">
-              <a:lnSpc>
-                <a:spcPct val="90000"/>
-              </a:lnSpc>
-              <a:spcBef>
-                <a:spcPts val="500"/>
-              </a:spcBef>
-              <a:buFont typeface="Arial" panose="020B0604020202020204" pitchFamily="34" charset="0"/>
-              <a:buNone/>
-              <a:defRPr sz="1600" kern="1200">
-                <a:solidFill>
-                  <a:schemeClr val="tx1"/>
-                </a:solidFill>
-                <a:latin typeface="+mn-lt"/>
-                <a:ea typeface="+mn-ea"/>
-                <a:cs typeface="+mn-cs"/>
-              </a:defRPr>
-            </a:lvl8pPr>
-            <a:lvl9pPr marL="3657600" indent="0" algn="ctr" defTabSz="914400" rtl="0" eaLnBrk="1" latinLnBrk="0" hangingPunct="1">
-              <a:lnSpc>
-                <a:spcPct val="90000"/>
-              </a:lnSpc>
-              <a:spcBef>
-                <a:spcPts val="500"/>
-              </a:spcBef>
-              <a:buFont typeface="Arial" panose="020B0604020202020204" pitchFamily="34" charset="0"/>
-              <a:buNone/>
-              <a:defRPr sz="1600" kern="1200">
-                <a:solidFill>
-                  <a:schemeClr val="tx1"/>
-                </a:solidFill>
-                <a:latin typeface="+mn-lt"/>
-                <a:ea typeface="+mn-ea"/>
-                <a:cs typeface="+mn-cs"/>
-              </a:defRPr>
-            </a:lvl9pPr>
-          </a:lstStyle>
-          <a:p>
-            <a:pPr marL="342900" indent="-342900" algn="l" eaLnBrk="0" fontAlgn="base" hangingPunct="0">
-              <a:lnSpc>
-                <a:spcPct val="100000"/>
-              </a:lnSpc>
-              <a:spcBef>
-                <a:spcPct val="0"/>
-              </a:spcBef>
-              <a:spcAft>
-                <a:spcPct val="0"/>
-              </a:spcAft>
-              <a:buClr>
-                <a:srgbClr val="00B050"/>
-              </a:buClr>
-              <a:buFont typeface="Wingdings" panose="05000000000000000000" pitchFamily="2" charset="2"/>
-              <a:buChar char="Ø"/>
-            </a:pPr>
-            <a:r>
-              <a:rPr lang="en-US" altLang="en-US" sz="2000" dirty="0">
-                <a:latin typeface="Arial" panose="020B0604020202020204" pitchFamily="34" charset="0"/>
-              </a:rPr>
-              <a:t>Applied data augmentation techniques:</a:t>
-            </a:r>
-          </a:p>
-          <a:p>
-            <a:pPr marL="800100" lvl="1" indent="-342900" algn="l" eaLnBrk="0" fontAlgn="base" hangingPunct="0">
-              <a:lnSpc>
-                <a:spcPct val="100000"/>
-              </a:lnSpc>
-              <a:spcBef>
-                <a:spcPct val="0"/>
-              </a:spcBef>
-              <a:spcAft>
-                <a:spcPct val="0"/>
-              </a:spcAft>
-              <a:buClr>
-                <a:srgbClr val="00B050"/>
-              </a:buClr>
-              <a:buFont typeface="Wingdings" panose="05000000000000000000" pitchFamily="2" charset="2"/>
-              <a:buChar char="Ø"/>
-            </a:pPr>
-            <a:r>
-              <a:rPr lang="en-US" altLang="en-US" sz="1600" dirty="0">
-                <a:latin typeface="Arial" panose="020B0604020202020204" pitchFamily="34" charset="0"/>
-              </a:rPr>
-              <a:t>Random flips, rotations, color jitter</a:t>
-            </a:r>
-          </a:p>
-          <a:p>
-            <a:pPr marL="800100" lvl="1" indent="-342900" algn="l" eaLnBrk="0" fontAlgn="base" hangingPunct="0">
-              <a:lnSpc>
-                <a:spcPct val="100000"/>
-              </a:lnSpc>
-              <a:spcBef>
-                <a:spcPct val="0"/>
-              </a:spcBef>
-              <a:spcAft>
-                <a:spcPct val="0"/>
-              </a:spcAft>
-              <a:buClr>
-                <a:srgbClr val="00B050"/>
-              </a:buClr>
-              <a:buFont typeface="Wingdings" panose="05000000000000000000" pitchFamily="2" charset="2"/>
-              <a:buChar char="Ø"/>
-            </a:pPr>
-            <a:r>
-              <a:rPr lang="en-US" altLang="en-US" sz="1600" b="1" dirty="0" err="1">
-                <a:latin typeface="Arial" panose="020B0604020202020204" pitchFamily="34" charset="0"/>
-              </a:rPr>
-              <a:t>RandAugment</a:t>
-            </a:r>
-            <a:r>
-              <a:rPr lang="en-US" altLang="en-US" sz="1600" dirty="0">
-                <a:latin typeface="Arial" panose="020B0604020202020204" pitchFamily="34" charset="0"/>
-              </a:rPr>
-              <a:t> for additional diversity</a:t>
-            </a:r>
-          </a:p>
-        </p:txBody>
-      </p:sp>
-      <p:pic>
-        <p:nvPicPr>
-          <p:cNvPr id="23" name="Picture 22">
-            <a:extLst>
-              <a:ext uri="{FF2B5EF4-FFF2-40B4-BE49-F238E27FC236}">
-                <a16:creationId xmlns:a16="http://schemas.microsoft.com/office/drawing/2014/main" id="{544B6403-C81A-74E2-B9A4-21321218CC9A}"/>
-              </a:ext>
-            </a:extLst>
-          </p:cNvPr>
-          <p:cNvPicPr>
-            <a:picLocks noChangeAspect="1"/>
-          </p:cNvPicPr>
-          <p:nvPr/>
-        </p:nvPicPr>
-        <p:blipFill>
-          <a:blip r:embed="rId5"/>
           <a:stretch>
             <a:fillRect/>
           </a:stretch>
@@ -11786,7 +11634,7 @@
                   <a:srgbClr val="00B050"/>
                 </a:solidFill>
               </a:rPr>
-              <a:t>    Class Hierarchy Creation</a:t>
+              <a:t>    Data Preprocessing</a:t>
             </a:r>
           </a:p>
         </p:txBody>
@@ -11809,8 +11657,8 @@
         </p:nvSpPr>
         <p:spPr bwMode="auto">
           <a:xfrm>
-            <a:off x="2517559" y="1188446"/>
-            <a:ext cx="7837658" cy="1015663"/>
+            <a:off x="1385046" y="1076772"/>
+            <a:ext cx="9402189" cy="400110"/>
           </a:xfrm>
           <a:prstGeom prst="rect">
             <a:avLst/>
@@ -11887,7 +11735,7 @@
                 <a:effectLst/>
                 <a:latin typeface="Arial" panose="020B0604020202020204" pitchFamily="34" charset="0"/>
               </a:rPr>
-              <a:t>Utilized </a:t>
+              <a:t>Exceptional Dataset annotation : </a:t>
             </a:r>
             <a:r>
               <a:rPr kumimoji="0" lang="en-US" altLang="en-US" sz="2000" b="0" i="0" u="none" strike="noStrike" cap="none" normalizeH="0" baseline="0" dirty="0" err="1">
@@ -11900,7 +11748,7 @@
                 <a:effectLst/>
                 <a:latin typeface="Arial" panose="020B0604020202020204" pitchFamily="34" charset="0"/>
               </a:rPr>
-              <a:t>Wikidata</a:t>
+              <a:t>bbox</a:t>
             </a:r>
             <a:r>
               <a:rPr kumimoji="0" lang="en-US" altLang="en-US" sz="2000" b="0" i="0" u="none" strike="noStrike" cap="none" normalizeH="0" baseline="0" dirty="0">
@@ -11913,28 +11761,21 @@
                 <a:effectLst/>
                 <a:latin typeface="Arial" panose="020B0604020202020204" pitchFamily="34" charset="0"/>
               </a:rPr>
-              <a:t> API to create a hierarchical structure of classes.</a:t>
-            </a:r>
-          </a:p>
-          <a:p>
-            <a:pPr marL="342900" marR="0" lvl="0" indent="-342900" algn="l" defTabSz="914400" rtl="0" eaLnBrk="0" fontAlgn="base" latinLnBrk="0" hangingPunct="0">
-              <a:lnSpc>
-                <a:spcPct val="100000"/>
-              </a:lnSpc>
-              <a:spcBef>
-                <a:spcPct val="0"/>
-              </a:spcBef>
-              <a:spcAft>
-                <a:spcPct val="0"/>
-              </a:spcAft>
-              <a:buClr>
-                <a:srgbClr val="00B050"/>
-              </a:buClr>
-              <a:buSzTx/>
-              <a:buFont typeface="Wingdings" panose="05000000000000000000" pitchFamily="2" charset="2"/>
-              <a:buChar char="Ø"/>
-              <a:tabLst/>
-            </a:pPr>
+              <a:t> having a </a:t>
+            </a:r>
+            <a:r>
+              <a:rPr kumimoji="0" lang="en-US" altLang="en-US" sz="2000" b="0" i="0" u="none" strike="noStrike" cap="none" normalizeH="0" baseline="0" dirty="0" err="1">
+                <a:ln>
+                  <a:noFill/>
+                </a:ln>
+                <a:solidFill>
+                  <a:schemeClr val="tx1"/>
+                </a:solidFill>
+                <a:effectLst/>
+                <a:latin typeface="Arial" panose="020B0604020202020204" pitchFamily="34" charset="0"/>
+              </a:rPr>
+              <a:t>NaN</a:t>
+            </a:r>
             <a:r>
               <a:rPr kumimoji="0" lang="en-US" altLang="en-US" sz="2000" b="0" i="0" u="none" strike="noStrike" cap="none" normalizeH="0" baseline="0" dirty="0">
                 <a:ln>
@@ -11946,28 +11787,8 @@
                 <a:effectLst/>
                 <a:latin typeface="Arial" panose="020B0604020202020204" pitchFamily="34" charset="0"/>
               </a:rPr>
-              <a:t>Implemented functions to clean and normalize labels.</a:t>
-            </a:r>
-          </a:p>
-          <a:p>
-            <a:pPr marL="342900" marR="0" lvl="0" indent="-342900" algn="l" defTabSz="914400" rtl="0" eaLnBrk="0" fontAlgn="base" latinLnBrk="0" hangingPunct="0">
-              <a:lnSpc>
-                <a:spcPct val="100000"/>
-              </a:lnSpc>
-              <a:spcBef>
-                <a:spcPct val="0"/>
-              </a:spcBef>
-              <a:spcAft>
-                <a:spcPct val="0"/>
-              </a:spcAft>
-              <a:buClr>
-                <a:srgbClr val="00B050"/>
-              </a:buClr>
-              <a:buSzTx/>
-              <a:buFont typeface="Wingdings" panose="05000000000000000000" pitchFamily="2" charset="2"/>
-              <a:buChar char="Ø"/>
-              <a:tabLst/>
-            </a:pPr>
+              <a:t> value </a:t>
+            </a:r>
             <a:r>
               <a:rPr kumimoji="0" lang="en-US" altLang="en-US" sz="2000" b="0" i="0" u="none" strike="noStrike" cap="none" normalizeH="0" baseline="0" dirty="0">
                 <a:ln>
@@ -11978,8 +11799,22 @@
                 </a:solidFill>
                 <a:effectLst/>
                 <a:latin typeface="Arial" panose="020B0604020202020204" pitchFamily="34" charset="0"/>
+                <a:sym typeface="Wingdings" panose="05000000000000000000" pitchFamily="2" charset="2"/>
               </a:rPr>
-              <a:t>Created a graph-based representation of class relationships.</a:t>
+              <a:t> image_error.log</a:t>
+            </a:r>
+            <a:r>
+              <a:rPr kumimoji="0" lang="en-US" altLang="en-US" sz="2000" b="0" i="0" u="none" strike="noStrike" cap="none" normalizeH="0" baseline="0" dirty="0">
+                <a:ln>
+                  <a:noFill/>
+                </a:ln>
+                <a:solidFill>
+                  <a:schemeClr val="tx1"/>
+                </a:solidFill>
+                <a:effectLst/>
+                <a:latin typeface="Arial" panose="020B0604020202020204" pitchFamily="34" charset="0"/>
+              </a:rPr>
+              <a:t> </a:t>
             </a:r>
             <a:endParaRPr kumimoji="0" lang="en-US" altLang="en-US" sz="1600" i="0" u="none" strike="noStrike" cap="none" normalizeH="0" baseline="0" dirty="0">
               <a:ln>
@@ -11994,132 +11829,12 @@
           </a:p>
         </p:txBody>
       </p:sp>
-      <p:pic>
-        <p:nvPicPr>
-          <p:cNvPr id="5" name="Picture 4">
-            <a:extLst>
-              <a:ext uri="{FF2B5EF4-FFF2-40B4-BE49-F238E27FC236}">
-                <a16:creationId xmlns:a16="http://schemas.microsoft.com/office/drawing/2014/main" id="{A3A0D4C4-E8C2-42D5-F963-B5A093873D92}"/>
-              </a:ext>
-            </a:extLst>
-          </p:cNvPr>
-          <p:cNvPicPr>
-            <a:picLocks noChangeAspect="1"/>
-          </p:cNvPicPr>
-          <p:nvPr/>
-        </p:nvPicPr>
-        <p:blipFill>
-          <a:blip r:embed="rId2"/>
-          <a:stretch>
-            <a:fillRect/>
-          </a:stretch>
-        </p:blipFill>
-        <p:spPr>
-          <a:xfrm>
-            <a:off x="2648551" y="2409805"/>
-            <a:ext cx="7575674" cy="1930166"/>
-          </a:xfrm>
-          <a:prstGeom prst="rect">
-            <a:avLst/>
-          </a:prstGeom>
-        </p:spPr>
-      </p:pic>
-      <p:pic>
-        <p:nvPicPr>
-          <p:cNvPr id="10" name="Picture 9">
-            <a:extLst>
-              <a:ext uri="{FF2B5EF4-FFF2-40B4-BE49-F238E27FC236}">
-                <a16:creationId xmlns:a16="http://schemas.microsoft.com/office/drawing/2014/main" id="{66BD2E42-DC9A-6DF7-42CB-7952FBF47AE9}"/>
-              </a:ext>
-            </a:extLst>
-          </p:cNvPr>
-          <p:cNvPicPr>
-            <a:picLocks noChangeAspect="1"/>
-          </p:cNvPicPr>
-          <p:nvPr/>
-        </p:nvPicPr>
-        <p:blipFill>
-          <a:blip r:embed="rId3"/>
-          <a:stretch>
-            <a:fillRect/>
-          </a:stretch>
-        </p:blipFill>
-        <p:spPr>
-          <a:xfrm>
-            <a:off x="1368268" y="230579"/>
-            <a:ext cx="586791" cy="586791"/>
-          </a:xfrm>
-          <a:prstGeom prst="rect">
-            <a:avLst/>
-          </a:prstGeom>
-        </p:spPr>
-      </p:pic>
-      <p:pic>
-        <p:nvPicPr>
-          <p:cNvPr id="13" name="Picture 12">
-            <a:extLst>
-              <a:ext uri="{FF2B5EF4-FFF2-40B4-BE49-F238E27FC236}">
-                <a16:creationId xmlns:a16="http://schemas.microsoft.com/office/drawing/2014/main" id="{EB6CDD34-3C5E-C82D-DE6B-FEF2A3E5B114}"/>
-              </a:ext>
-            </a:extLst>
-          </p:cNvPr>
-          <p:cNvPicPr>
-            <a:picLocks noChangeAspect="1"/>
-          </p:cNvPicPr>
-          <p:nvPr/>
-        </p:nvPicPr>
-        <p:blipFill>
-          <a:blip r:embed="rId4"/>
-          <a:stretch>
-            <a:fillRect/>
-          </a:stretch>
-        </p:blipFill>
-        <p:spPr>
-          <a:xfrm>
-            <a:off x="3834017" y="4690029"/>
-            <a:ext cx="1562235" cy="1051651"/>
-          </a:xfrm>
-          <a:prstGeom prst="rect">
-            <a:avLst/>
-          </a:prstGeom>
-        </p:spPr>
-      </p:pic>
-      <p:pic>
-        <p:nvPicPr>
-          <p:cNvPr id="15" name="Picture 14">
-            <a:extLst>
-              <a:ext uri="{FF2B5EF4-FFF2-40B4-BE49-F238E27FC236}">
-                <a16:creationId xmlns:a16="http://schemas.microsoft.com/office/drawing/2014/main" id="{219608D5-3797-941A-022B-D5A974EEE914}"/>
-              </a:ext>
-            </a:extLst>
-          </p:cNvPr>
-          <p:cNvPicPr>
-            <a:picLocks noChangeAspect="1"/>
-          </p:cNvPicPr>
-          <p:nvPr/>
-        </p:nvPicPr>
-        <p:blipFill>
-          <a:blip r:embed="rId5"/>
-          <a:stretch>
-            <a:fillRect/>
-          </a:stretch>
-        </p:blipFill>
-        <p:spPr>
-          <a:xfrm>
-            <a:off x="6185067" y="4670977"/>
-            <a:ext cx="3185436" cy="1089754"/>
-          </a:xfrm>
-          <a:prstGeom prst="rect">
-            <a:avLst/>
-          </a:prstGeom>
-        </p:spPr>
-      </p:pic>
       <p:sp>
         <p:nvSpPr>
-          <p:cNvPr id="16" name="Rectangle 1">
-            <a:extLst>
-              <a:ext uri="{FF2B5EF4-FFF2-40B4-BE49-F238E27FC236}">
-                <a16:creationId xmlns:a16="http://schemas.microsoft.com/office/drawing/2014/main" id="{1C39CA02-A7E7-FD68-D74C-3F015DAE5737}"/>
+          <p:cNvPr id="21" name="Rectangle 1">
+            <a:extLst>
+              <a:ext uri="{FF2B5EF4-FFF2-40B4-BE49-F238E27FC236}">
+                <a16:creationId xmlns:a16="http://schemas.microsoft.com/office/drawing/2014/main" id="{E59D5823-0A29-7921-63A1-4766534CF338}"/>
               </a:ext>
             </a:extLst>
           </p:cNvPr>
@@ -12130,8 +11845,8 @@
         </p:nvSpPr>
         <p:spPr bwMode="auto">
           <a:xfrm>
-            <a:off x="1488739" y="4861911"/>
-            <a:ext cx="1768433" cy="707886"/>
+            <a:off x="1385045" y="2860141"/>
+            <a:ext cx="4963218" cy="892552"/>
           </a:xfrm>
           <a:prstGeom prst="rect">
             <a:avLst/>
@@ -12342,7 +12057,7 @@
             </a:lvl9pPr>
           </a:lstStyle>
           <a:p>
-            <a:pPr algn="l" eaLnBrk="0" fontAlgn="base" hangingPunct="0">
+            <a:pPr marL="342900" indent="-342900" algn="l" eaLnBrk="0" fontAlgn="base" hangingPunct="0">
               <a:lnSpc>
                 <a:spcPct val="100000"/>
               </a:lnSpc>
@@ -12355,19 +12070,18 @@
               <a:buClr>
                 <a:srgbClr val="00B050"/>
               </a:buClr>
+              <a:buFont typeface="Wingdings" panose="05000000000000000000" pitchFamily="2" charset="2"/>
+              <a:buChar char="Ø"/>
             </a:pPr>
             <a:r>
               <a:rPr lang="en-US" altLang="en-US" sz="2000" dirty="0">
-                <a:solidFill>
-                  <a:srgbClr val="00B050"/>
-                </a:solidFill>
                 <a:latin typeface="Arial" panose="020B0604020202020204" pitchFamily="34" charset="0"/>
               </a:rPr>
-              <a:t>Sample Class</a:t>
-            </a:r>
-          </a:p>
-          <a:p>
-            <a:pPr algn="l" eaLnBrk="0" fontAlgn="base" hangingPunct="0">
+              <a:t>Applied data augmentation techniques:</a:t>
+            </a:r>
+          </a:p>
+          <a:p>
+            <a:pPr marL="800100" lvl="1" indent="-342900" algn="l" eaLnBrk="0" fontAlgn="base" hangingPunct="0">
               <a:lnSpc>
                 <a:spcPct val="100000"/>
               </a:lnSpc>
@@ -12380,73 +12094,142 @@
               <a:buClr>
                 <a:srgbClr val="00B050"/>
               </a:buClr>
+              <a:buFont typeface="Wingdings" panose="05000000000000000000" pitchFamily="2" charset="2"/>
+              <a:buChar char="Ø"/>
             </a:pPr>
             <a:r>
-              <a:rPr lang="en-US" altLang="en-US" sz="2000" dirty="0">
-                <a:solidFill>
-                  <a:srgbClr val="00B050"/>
-                </a:solidFill>
+              <a:rPr lang="en-US" altLang="en-US" sz="1600" dirty="0">
                 <a:latin typeface="Arial" panose="020B0604020202020204" pitchFamily="34" charset="0"/>
               </a:rPr>
-              <a:t>Structure</a:t>
+              <a:t>Random flips, rotations, color jitter</a:t>
+            </a:r>
+          </a:p>
+          <a:p>
+            <a:pPr marL="800100" lvl="1" indent="-342900" algn="l" eaLnBrk="0" fontAlgn="base" hangingPunct="0">
+              <a:lnSpc>
+                <a:spcPct val="100000"/>
+              </a:lnSpc>
+              <a:spcBef>
+                <a:spcPct val="0"/>
+              </a:spcBef>
+              <a:spcAft>
+                <a:spcPct val="0"/>
+              </a:spcAft>
+              <a:buClr>
+                <a:srgbClr val="00B050"/>
+              </a:buClr>
+              <a:buFont typeface="Wingdings" panose="05000000000000000000" pitchFamily="2" charset="2"/>
+              <a:buChar char="Ø"/>
+            </a:pPr>
+            <a:r>
+              <a:rPr lang="en-US" altLang="en-US" sz="1600" b="1" dirty="0" err="1">
+                <a:latin typeface="Arial" panose="020B0604020202020204" pitchFamily="34" charset="0"/>
+              </a:rPr>
+              <a:t>RandAugment</a:t>
+            </a:r>
+            <a:r>
+              <a:rPr lang="en-US" altLang="en-US" sz="1600" dirty="0">
+                <a:latin typeface="Arial" panose="020B0604020202020204" pitchFamily="34" charset="0"/>
+              </a:rPr>
+              <a:t> for additional diversity</a:t>
             </a:r>
           </a:p>
         </p:txBody>
       </p:sp>
-      <p:sp>
-        <p:nvSpPr>
-          <p:cNvPr id="17" name="Rectangle 16">
-            <a:extLst>
-              <a:ext uri="{FF2B5EF4-FFF2-40B4-BE49-F238E27FC236}">
-                <a16:creationId xmlns:a16="http://schemas.microsoft.com/office/drawing/2014/main" id="{F806B2B4-E5DD-EFD1-B019-EFD2134A27BA}"/>
-              </a:ext>
-            </a:extLst>
-          </p:cNvPr>
-          <p:cNvSpPr/>
+      <p:pic>
+        <p:nvPicPr>
+          <p:cNvPr id="23" name="Picture 22">
+            <a:extLst>
+              <a:ext uri="{FF2B5EF4-FFF2-40B4-BE49-F238E27FC236}">
+                <a16:creationId xmlns:a16="http://schemas.microsoft.com/office/drawing/2014/main" id="{544B6403-C81A-74E2-B9A4-21321218CC9A}"/>
+              </a:ext>
+            </a:extLst>
+          </p:cNvPr>
+          <p:cNvPicPr>
+            <a:picLocks noChangeAspect="1"/>
+          </p:cNvPicPr>
           <p:nvPr/>
-        </p:nvSpPr>
+        </p:nvPicPr>
+        <p:blipFill>
+          <a:blip r:embed="rId2"/>
+          <a:stretch>
+            <a:fillRect/>
+          </a:stretch>
+        </p:blipFill>
         <p:spPr>
           <a:xfrm>
-            <a:off x="3588154" y="4513277"/>
-            <a:ext cx="6130284" cy="1510018"/>
+            <a:off x="1385046" y="266725"/>
+            <a:ext cx="556308" cy="548688"/>
           </a:xfrm>
           <a:prstGeom prst="rect">
             <a:avLst/>
           </a:prstGeom>
-          <a:noFill/>
-          <a:ln>
-            <a:prstDash val="sysDash"/>
-          </a:ln>
-        </p:spPr>
-        <p:style>
-          <a:lnRef idx="2">
-            <a:schemeClr val="accent1">
-              <a:shade val="15000"/>
-            </a:schemeClr>
-          </a:lnRef>
-          <a:fillRef idx="1">
-            <a:schemeClr val="accent1"/>
-          </a:fillRef>
-          <a:effectRef idx="0">
-            <a:schemeClr val="accent1"/>
-          </a:effectRef>
-          <a:fontRef idx="minor">
-            <a:schemeClr val="lt1"/>
-          </a:fontRef>
-        </p:style>
-        <p:txBody>
-          <a:bodyPr rtlCol="0" anchor="ctr"/>
-          <a:lstStyle/>
-          <a:p>
-            <a:pPr algn="ctr"/>
-            <a:endParaRPr lang="en-US"/>
-          </a:p>
-        </p:txBody>
-      </p:sp>
+        </p:spPr>
+      </p:pic>
+      <p:pic>
+        <p:nvPicPr>
+          <p:cNvPr id="9" name="Picture 8">
+            <a:extLst>
+              <a:ext uri="{FF2B5EF4-FFF2-40B4-BE49-F238E27FC236}">
+                <a16:creationId xmlns:a16="http://schemas.microsoft.com/office/drawing/2014/main" id="{3347B390-26F9-F59F-02B5-08D214353396}"/>
+              </a:ext>
+            </a:extLst>
+          </p:cNvPr>
+          <p:cNvPicPr>
+            <a:picLocks noChangeAspect="1"/>
+          </p:cNvPicPr>
+          <p:nvPr/>
+        </p:nvPicPr>
+        <p:blipFill>
+          <a:blip r:embed="rId3"/>
+          <a:stretch>
+            <a:fillRect/>
+          </a:stretch>
+        </p:blipFill>
+        <p:spPr>
+          <a:xfrm>
+            <a:off x="1789999" y="1542272"/>
+            <a:ext cx="9662997" cy="1112616"/>
+          </a:xfrm>
+          <a:prstGeom prst="rect">
+            <a:avLst/>
+          </a:prstGeom>
+        </p:spPr>
+      </p:pic>
+      <p:pic>
+        <p:nvPicPr>
+          <p:cNvPr id="10" name="Picture 9">
+            <a:extLst>
+              <a:ext uri="{FF2B5EF4-FFF2-40B4-BE49-F238E27FC236}">
+                <a16:creationId xmlns:a16="http://schemas.microsoft.com/office/drawing/2014/main" id="{67C01BEE-E484-6557-1D01-A9BD78C6AEC8}"/>
+              </a:ext>
+            </a:extLst>
+          </p:cNvPr>
+          <p:cNvPicPr>
+            <a:picLocks noChangeAspect="1"/>
+          </p:cNvPicPr>
+          <p:nvPr/>
+        </p:nvPicPr>
+        <p:blipFill>
+          <a:blip r:embed="rId4"/>
+          <a:stretch>
+            <a:fillRect/>
+          </a:stretch>
+        </p:blipFill>
+        <p:spPr>
+          <a:xfrm>
+            <a:off x="3763861" y="4038147"/>
+            <a:ext cx="5425910" cy="1379340"/>
+          </a:xfrm>
+          <a:prstGeom prst="rect">
+            <a:avLst/>
+          </a:prstGeom>
+        </p:spPr>
+      </p:pic>
     </p:spTree>
     <p:extLst>
       <p:ext uri="{BB962C8B-B14F-4D97-AF65-F5344CB8AC3E}">
-        <p14:creationId xmlns:p14="http://schemas.microsoft.com/office/powerpoint/2010/main" val="113283288"/>
+        <p14:creationId xmlns:p14="http://schemas.microsoft.com/office/powerpoint/2010/main" val="1939953895"/>
       </p:ext>
     </p:extLst>
   </p:cSld>
@@ -12507,7 +12290,7 @@
                   <a:srgbClr val="00B050"/>
                 </a:solidFill>
               </a:rPr>
-              <a:t>    Model Architecture</a:t>
+              <a:t>    Class Hierarchy Creation</a:t>
             </a:r>
           </a:p>
         </p:txBody>
@@ -12530,8 +12313,8 @@
         </p:nvSpPr>
         <p:spPr bwMode="auto">
           <a:xfrm>
-            <a:off x="1385046" y="1092542"/>
-            <a:ext cx="9384813" cy="707886"/>
+            <a:off x="2517559" y="1188446"/>
+            <a:ext cx="7837658" cy="1015663"/>
           </a:xfrm>
           <a:prstGeom prst="rect">
             <a:avLst/>
@@ -12608,33 +12391,20 @@
                 <a:effectLst/>
                 <a:latin typeface="Arial" panose="020B0604020202020204" pitchFamily="34" charset="0"/>
               </a:rPr>
-              <a:t>Used </a:t>
-            </a:r>
-            <a:r>
-              <a:rPr kumimoji="0" lang="en-US" altLang="en-US" sz="2000" b="1" i="0" u="none" strike="noStrike" cap="none" normalizeH="0" baseline="0" dirty="0" err="1">
+              <a:t>Utilized </a:t>
+            </a:r>
+            <a:r>
+              <a:rPr kumimoji="0" lang="en-US" altLang="en-US" sz="2000" b="0" i="0" u="none" strike="noStrike" cap="none" normalizeH="0" baseline="0" dirty="0" err="1">
                 <a:ln>
                   <a:noFill/>
                 </a:ln>
                 <a:solidFill>
-                  <a:srgbClr val="00B050"/>
+                  <a:schemeClr val="tx1"/>
                 </a:solidFill>
                 <a:effectLst/>
                 <a:latin typeface="Arial" panose="020B0604020202020204" pitchFamily="34" charset="0"/>
               </a:rPr>
-              <a:t>ConvNeXt</a:t>
-            </a:r>
-            <a:r>
-              <a:rPr kumimoji="0" lang="en-US" altLang="en-US" sz="2000" b="1" i="0" u="none" strike="noStrike" cap="none" normalizeH="0" baseline="0" dirty="0">
-                <a:ln>
-                  <a:noFill/>
-                </a:ln>
-                <a:solidFill>
-                  <a:srgbClr val="00B050"/>
-                </a:solidFill>
-                <a:effectLst/>
-                <a:latin typeface="Arial" panose="020B0604020202020204" pitchFamily="34" charset="0"/>
-              </a:rPr>
-              <a:t> Tiny</a:t>
+              <a:t>Wikidata</a:t>
             </a:r>
             <a:r>
               <a:rPr kumimoji="0" lang="en-US" altLang="en-US" sz="2000" b="0" i="0" u="none" strike="noStrike" cap="none" normalizeH="0" baseline="0" dirty="0">
@@ -12647,11 +12417,11 @@
                 <a:effectLst/>
                 <a:latin typeface="Arial" panose="020B0604020202020204" pitchFamily="34" charset="0"/>
               </a:rPr>
-              <a:t> architecture, optimized for efficiency and performance</a:t>
-            </a:r>
-          </a:p>
-          <a:p>
-            <a:pPr marL="0" marR="0" lvl="0" indent="0" algn="l" defTabSz="914400" rtl="0" eaLnBrk="0" fontAlgn="base" latinLnBrk="0" hangingPunct="0">
+              <a:t> API to create a hierarchical structure of classes.</a:t>
+            </a:r>
+          </a:p>
+          <a:p>
+            <a:pPr marL="342900" marR="0" lvl="0" indent="-342900" algn="l" defTabSz="914400" rtl="0" eaLnBrk="0" fontAlgn="base" latinLnBrk="0" hangingPunct="0">
               <a:lnSpc>
                 <a:spcPct val="100000"/>
               </a:lnSpc>
@@ -12661,11 +12431,61 @@
               <a:spcAft>
                 <a:spcPct val="0"/>
               </a:spcAft>
-              <a:buClrTx/>
+              <a:buClr>
+                <a:srgbClr val="00B050"/>
+              </a:buClr>
               <a:buSzTx/>
+              <a:buFont typeface="Wingdings" panose="05000000000000000000" pitchFamily="2" charset="2"/>
+              <a:buChar char="Ø"/>
               <a:tabLst/>
             </a:pPr>
-            <a:endParaRPr kumimoji="0" lang="en-US" altLang="en-US" sz="2000" b="0" i="0" u="none" strike="noStrike" cap="none" normalizeH="0" baseline="0" dirty="0">
+            <a:r>
+              <a:rPr kumimoji="0" lang="en-US" altLang="en-US" sz="2000" b="0" i="0" u="none" strike="noStrike" cap="none" normalizeH="0" baseline="0" dirty="0">
+                <a:ln>
+                  <a:noFill/>
+                </a:ln>
+                <a:solidFill>
+                  <a:schemeClr val="tx1"/>
+                </a:solidFill>
+                <a:effectLst/>
+                <a:latin typeface="Arial" panose="020B0604020202020204" pitchFamily="34" charset="0"/>
+              </a:rPr>
+              <a:t>Implemented functions to clean and normalize labels.</a:t>
+            </a:r>
+          </a:p>
+          <a:p>
+            <a:pPr marL="342900" marR="0" lvl="0" indent="-342900" algn="l" defTabSz="914400" rtl="0" eaLnBrk="0" fontAlgn="base" latinLnBrk="0" hangingPunct="0">
+              <a:lnSpc>
+                <a:spcPct val="100000"/>
+              </a:lnSpc>
+              <a:spcBef>
+                <a:spcPct val="0"/>
+              </a:spcBef>
+              <a:spcAft>
+                <a:spcPct val="0"/>
+              </a:spcAft>
+              <a:buClr>
+                <a:srgbClr val="00B050"/>
+              </a:buClr>
+              <a:buSzTx/>
+              <a:buFont typeface="Wingdings" panose="05000000000000000000" pitchFamily="2" charset="2"/>
+              <a:buChar char="Ø"/>
+              <a:tabLst/>
+            </a:pPr>
+            <a:r>
+              <a:rPr kumimoji="0" lang="en-US" altLang="en-US" sz="2000" b="0" i="0" u="none" strike="noStrike" cap="none" normalizeH="0" baseline="0" dirty="0">
+                <a:ln>
+                  <a:noFill/>
+                </a:ln>
+                <a:solidFill>
+                  <a:schemeClr val="tx1"/>
+                </a:solidFill>
+                <a:effectLst/>
+                <a:latin typeface="Arial" panose="020B0604020202020204" pitchFamily="34" charset="0"/>
+              </a:rPr>
+              <a:t>Created a graph-based representation of class relationships.</a:t>
+            </a:r>
+            <a:endParaRPr kumimoji="0" lang="en-US" altLang="en-US" sz="1600" i="0" u="none" strike="noStrike" cap="none" normalizeH="0" baseline="0" dirty="0">
               <a:ln>
                 <a:noFill/>
               </a:ln>
@@ -12683,7 +12503,7 @@
           <p:cNvPr id="5" name="Picture 4">
             <a:extLst>
               <a:ext uri="{FF2B5EF4-FFF2-40B4-BE49-F238E27FC236}">
-                <a16:creationId xmlns:a16="http://schemas.microsoft.com/office/drawing/2014/main" id="{01313DC8-FC43-C1C0-4FE2-9C0971EE0A35}"/>
+                <a16:creationId xmlns:a16="http://schemas.microsoft.com/office/drawing/2014/main" id="{A3A0D4C4-E8C2-42D5-F963-B5A093873D92}"/>
               </a:ext>
             </a:extLst>
           </p:cNvPr>
@@ -12700,8 +12520,8 @@
         </p:blipFill>
         <p:spPr>
           <a:xfrm>
-            <a:off x="1385046" y="201166"/>
-            <a:ext cx="510584" cy="579170"/>
+            <a:off x="2648551" y="2409805"/>
+            <a:ext cx="7575674" cy="1930166"/>
           </a:xfrm>
           <a:prstGeom prst="rect">
             <a:avLst/>
@@ -12710,57 +12530,100 @@
       </p:pic>
       <p:pic>
         <p:nvPicPr>
-          <p:cNvPr id="2050" name="Picture 2" descr="ConvNeXt — Next Generation of Convolutional Networks | by Atakan Erdoğan |  Medium">
-            <a:extLst>
-              <a:ext uri="{FF2B5EF4-FFF2-40B4-BE49-F238E27FC236}">
-                <a16:creationId xmlns:a16="http://schemas.microsoft.com/office/drawing/2014/main" id="{556F8E2F-1D32-27EB-1D97-FF1673027CD6}"/>
+          <p:cNvPr id="10" name="Picture 9">
+            <a:extLst>
+              <a:ext uri="{FF2B5EF4-FFF2-40B4-BE49-F238E27FC236}">
+                <a16:creationId xmlns:a16="http://schemas.microsoft.com/office/drawing/2014/main" id="{66BD2E42-DC9A-6DF7-42CB-7952FBF47AE9}"/>
               </a:ext>
             </a:extLst>
           </p:cNvPr>
           <p:cNvPicPr>
-            <a:picLocks noChangeAspect="1" noChangeArrowheads="1"/>
+            <a:picLocks noChangeAspect="1"/>
           </p:cNvPicPr>
           <p:nvPr/>
         </p:nvPicPr>
         <p:blipFill>
-          <a:blip r:embed="rId3">
-            <a:extLst>
-              <a:ext uri="{28A0092B-C50C-407E-A947-70E740481C1C}">
-                <a14:useLocalDpi xmlns:a14="http://schemas.microsoft.com/office/drawing/2010/main" val="0"/>
-              </a:ext>
-            </a:extLst>
-          </a:blip>
-          <a:srcRect/>
+          <a:blip r:embed="rId3"/>
           <a:stretch>
             <a:fillRect/>
           </a:stretch>
         </p:blipFill>
-        <p:spPr bwMode="auto">
+        <p:spPr>
           <a:xfrm>
-            <a:off x="2268960" y="1434888"/>
-            <a:ext cx="8524875" cy="2314575"/>
+            <a:off x="1368268" y="230579"/>
+            <a:ext cx="586791" cy="586791"/>
           </a:xfrm>
           <a:prstGeom prst="rect">
             <a:avLst/>
           </a:prstGeom>
-          <a:noFill/>
-          <a:extLst>
-            <a:ext uri="{909E8E84-426E-40DD-AFC4-6F175D3DCCD1}">
-              <a14:hiddenFill xmlns:a14="http://schemas.microsoft.com/office/drawing/2010/main">
-                <a:solidFill>
-                  <a:srgbClr val="FFFFFF"/>
-                </a:solidFill>
-              </a14:hiddenFill>
-            </a:ext>
-          </a:extLst>
+        </p:spPr>
+      </p:pic>
+      <p:pic>
+        <p:nvPicPr>
+          <p:cNvPr id="13" name="Picture 12">
+            <a:extLst>
+              <a:ext uri="{FF2B5EF4-FFF2-40B4-BE49-F238E27FC236}">
+                <a16:creationId xmlns:a16="http://schemas.microsoft.com/office/drawing/2014/main" id="{EB6CDD34-3C5E-C82D-DE6B-FEF2A3E5B114}"/>
+              </a:ext>
+            </a:extLst>
+          </p:cNvPr>
+          <p:cNvPicPr>
+            <a:picLocks noChangeAspect="1"/>
+          </p:cNvPicPr>
+          <p:nvPr/>
+        </p:nvPicPr>
+        <p:blipFill>
+          <a:blip r:embed="rId4"/>
+          <a:stretch>
+            <a:fillRect/>
+          </a:stretch>
+        </p:blipFill>
+        <p:spPr>
+          <a:xfrm>
+            <a:off x="3834017" y="4690029"/>
+            <a:ext cx="1562235" cy="1051651"/>
+          </a:xfrm>
+          <a:prstGeom prst="rect">
+            <a:avLst/>
+          </a:prstGeom>
+        </p:spPr>
+      </p:pic>
+      <p:pic>
+        <p:nvPicPr>
+          <p:cNvPr id="15" name="Picture 14">
+            <a:extLst>
+              <a:ext uri="{FF2B5EF4-FFF2-40B4-BE49-F238E27FC236}">
+                <a16:creationId xmlns:a16="http://schemas.microsoft.com/office/drawing/2014/main" id="{219608D5-3797-941A-022B-D5A974EEE914}"/>
+              </a:ext>
+            </a:extLst>
+          </p:cNvPr>
+          <p:cNvPicPr>
+            <a:picLocks noChangeAspect="1"/>
+          </p:cNvPicPr>
+          <p:nvPr/>
+        </p:nvPicPr>
+        <p:blipFill>
+          <a:blip r:embed="rId5"/>
+          <a:stretch>
+            <a:fillRect/>
+          </a:stretch>
+        </p:blipFill>
+        <p:spPr>
+          <a:xfrm>
+            <a:off x="6185067" y="4670977"/>
+            <a:ext cx="3185436" cy="1089754"/>
+          </a:xfrm>
+          <a:prstGeom prst="rect">
+            <a:avLst/>
+          </a:prstGeom>
         </p:spPr>
       </p:pic>
       <p:sp>
         <p:nvSpPr>
-          <p:cNvPr id="2" name="Rectangle 1">
-            <a:extLst>
-              <a:ext uri="{FF2B5EF4-FFF2-40B4-BE49-F238E27FC236}">
-                <a16:creationId xmlns:a16="http://schemas.microsoft.com/office/drawing/2014/main" id="{F3E5E617-1A4A-1DBF-A568-606F066C2629}"/>
+          <p:cNvPr id="16" name="Rectangle 1">
+            <a:extLst>
+              <a:ext uri="{FF2B5EF4-FFF2-40B4-BE49-F238E27FC236}">
+                <a16:creationId xmlns:a16="http://schemas.microsoft.com/office/drawing/2014/main" id="{1C39CA02-A7E7-FD68-D74C-3F015DAE5737}"/>
               </a:ext>
             </a:extLst>
           </p:cNvPr>
@@ -12771,8 +12634,8 @@
         </p:nvSpPr>
         <p:spPr bwMode="auto">
           <a:xfrm>
-            <a:off x="1385045" y="3691699"/>
-            <a:ext cx="7657866" cy="400110"/>
+            <a:off x="1488739" y="4861911"/>
+            <a:ext cx="1768433" cy="707886"/>
           </a:xfrm>
           <a:prstGeom prst="rect">
             <a:avLst/>
@@ -12983,7 +12846,7 @@
             </a:lvl9pPr>
           </a:lstStyle>
           <a:p>
-            <a:pPr marL="342900" indent="-342900" algn="l" eaLnBrk="0" fontAlgn="base" hangingPunct="0">
+            <a:pPr algn="l" eaLnBrk="0" fontAlgn="base" hangingPunct="0">
               <a:lnSpc>
                 <a:spcPct val="100000"/>
               </a:lnSpc>
@@ -12996,64 +12859,98 @@
               <a:buClr>
                 <a:srgbClr val="00B050"/>
               </a:buClr>
-              <a:buFont typeface="Wingdings" panose="05000000000000000000" pitchFamily="2" charset="2"/>
-              <a:buChar char="Ø"/>
             </a:pPr>
             <a:r>
               <a:rPr lang="en-US" altLang="en-US" sz="2000" dirty="0">
+                <a:solidFill>
+                  <a:srgbClr val="00B050"/>
+                </a:solidFill>
                 <a:latin typeface="Arial" panose="020B0604020202020204" pitchFamily="34" charset="0"/>
               </a:rPr>
-              <a:t>Implemented </a:t>
-            </a:r>
-            <a:r>
-              <a:rPr lang="en-US" altLang="en-US" sz="2000" dirty="0" err="1">
+              <a:t>Sample Class</a:t>
+            </a:r>
+          </a:p>
+          <a:p>
+            <a:pPr algn="l" eaLnBrk="0" fontAlgn="base" hangingPunct="0">
+              <a:lnSpc>
+                <a:spcPct val="100000"/>
+              </a:lnSpc>
+              <a:spcBef>
+                <a:spcPct val="0"/>
+              </a:spcBef>
+              <a:spcAft>
+                <a:spcPct val="0"/>
+              </a:spcAft>
+              <a:buClr>
+                <a:srgbClr val="00B050"/>
+              </a:buClr>
+            </a:pPr>
+            <a:r>
+              <a:rPr lang="en-US" altLang="en-US" sz="2000" dirty="0">
+                <a:solidFill>
+                  <a:srgbClr val="00B050"/>
+                </a:solidFill>
                 <a:latin typeface="Arial" panose="020B0604020202020204" pitchFamily="34" charset="0"/>
               </a:rPr>
-              <a:t>ConvNeXtClassifier</a:t>
-            </a:r>
-            <a:r>
-              <a:rPr lang="en-US" altLang="en-US" sz="2000" dirty="0">
-                <a:latin typeface="Arial" panose="020B0604020202020204" pitchFamily="34" charset="0"/>
-              </a:rPr>
-              <a:t> class with pretrained weights</a:t>
+              <a:t>Structure</a:t>
             </a:r>
           </a:p>
         </p:txBody>
       </p:sp>
-      <p:pic>
-        <p:nvPicPr>
-          <p:cNvPr id="8" name="Picture 7">
-            <a:extLst>
-              <a:ext uri="{FF2B5EF4-FFF2-40B4-BE49-F238E27FC236}">
-                <a16:creationId xmlns:a16="http://schemas.microsoft.com/office/drawing/2014/main" id="{C991BBCF-537E-EFBB-47B8-3C79860D271E}"/>
-              </a:ext>
-            </a:extLst>
-          </p:cNvPr>
-          <p:cNvPicPr>
-            <a:picLocks noChangeAspect="1"/>
-          </p:cNvPicPr>
+      <p:sp>
+        <p:nvSpPr>
+          <p:cNvPr id="17" name="Rectangle 16">
+            <a:extLst>
+              <a:ext uri="{FF2B5EF4-FFF2-40B4-BE49-F238E27FC236}">
+                <a16:creationId xmlns:a16="http://schemas.microsoft.com/office/drawing/2014/main" id="{F806B2B4-E5DD-EFD1-B019-EFD2134A27BA}"/>
+              </a:ext>
+            </a:extLst>
+          </p:cNvPr>
+          <p:cNvSpPr/>
           <p:nvPr/>
-        </p:nvPicPr>
-        <p:blipFill>
-          <a:blip r:embed="rId4"/>
-          <a:stretch>
-            <a:fillRect/>
-          </a:stretch>
-        </p:blipFill>
+        </p:nvSpPr>
         <p:spPr>
           <a:xfrm>
-            <a:off x="2162954" y="4153364"/>
-            <a:ext cx="8412935" cy="1487370"/>
+            <a:off x="3588154" y="4513277"/>
+            <a:ext cx="6130284" cy="1510018"/>
           </a:xfrm>
           <a:prstGeom prst="rect">
             <a:avLst/>
           </a:prstGeom>
-        </p:spPr>
-      </p:pic>
+          <a:noFill/>
+          <a:ln>
+            <a:prstDash val="sysDash"/>
+          </a:ln>
+        </p:spPr>
+        <p:style>
+          <a:lnRef idx="2">
+            <a:schemeClr val="accent1">
+              <a:shade val="15000"/>
+            </a:schemeClr>
+          </a:lnRef>
+          <a:fillRef idx="1">
+            <a:schemeClr val="accent1"/>
+          </a:fillRef>
+          <a:effectRef idx="0">
+            <a:schemeClr val="accent1"/>
+          </a:effectRef>
+          <a:fontRef idx="minor">
+            <a:schemeClr val="lt1"/>
+          </a:fontRef>
+        </p:style>
+        <p:txBody>
+          <a:bodyPr rtlCol="0" anchor="ctr"/>
+          <a:lstStyle/>
+          <a:p>
+            <a:pPr algn="ctr"/>
+            <a:endParaRPr lang="en-US"/>
+          </a:p>
+        </p:txBody>
+      </p:sp>
     </p:spTree>
     <p:extLst>
       <p:ext uri="{BB962C8B-B14F-4D97-AF65-F5344CB8AC3E}">
-        <p14:creationId xmlns:p14="http://schemas.microsoft.com/office/powerpoint/2010/main" val="3354677443"/>
+        <p14:creationId xmlns:p14="http://schemas.microsoft.com/office/powerpoint/2010/main" val="113283288"/>
       </p:ext>
     </p:extLst>
   </p:cSld>
@@ -13138,7 +13035,7 @@
         <p:spPr bwMode="auto">
           <a:xfrm>
             <a:off x="1385046" y="1092542"/>
-            <a:ext cx="8024954" cy="707886"/>
+            <a:ext cx="9384813" cy="707886"/>
           </a:xfrm>
           <a:prstGeom prst="rect">
             <a:avLst/>
@@ -13186,7 +13083,7 @@
           </a:bodyPr>
           <a:lstStyle/>
           <a:p>
-            <a:pPr marL="342900" indent="-342900" algn="l" eaLnBrk="0" fontAlgn="base" hangingPunct="0">
+            <a:pPr marL="342900" marR="0" lvl="0" indent="-342900" algn="l" defTabSz="914400" rtl="0" eaLnBrk="0" fontAlgn="base" latinLnBrk="0" hangingPunct="0">
               <a:lnSpc>
                 <a:spcPct val="100000"/>
               </a:lnSpc>
@@ -13199,14 +13096,62 @@
               <a:buClr>
                 <a:srgbClr val="00B050"/>
               </a:buClr>
+              <a:buSzTx/>
               <a:buFont typeface="Wingdings" panose="05000000000000000000" pitchFamily="2" charset="2"/>
               <a:buChar char="Ø"/>
+              <a:tabLst/>
             </a:pPr>
             <a:r>
-              <a:rPr lang="en-US" altLang="en-US" sz="2000" dirty="0">
+              <a:rPr kumimoji="0" lang="en-US" altLang="en-US" sz="2000" b="0" i="0" u="none" strike="noStrike" cap="none" normalizeH="0" baseline="0" dirty="0">
+                <a:ln>
+                  <a:noFill/>
+                </a:ln>
+                <a:solidFill>
+                  <a:schemeClr val="tx1"/>
+                </a:solidFill>
+                <a:effectLst/>
                 <a:latin typeface="Arial" panose="020B0604020202020204" pitchFamily="34" charset="0"/>
               </a:rPr>
-              <a:t>Adapted the model for multi-class classification with 4,077 classes</a:t>
+              <a:t>Used </a:t>
+            </a:r>
+            <a:r>
+              <a:rPr kumimoji="0" lang="en-US" altLang="en-US" sz="2000" b="1" i="0" u="none" strike="noStrike" cap="none" normalizeH="0" baseline="0" dirty="0" err="1">
+                <a:ln>
+                  <a:noFill/>
+                </a:ln>
+                <a:solidFill>
+                  <a:srgbClr val="00B050"/>
+                </a:solidFill>
+                <a:effectLst/>
+                <a:latin typeface="Arial" panose="020B0604020202020204" pitchFamily="34" charset="0"/>
+              </a:rPr>
+              <a:t>ConvNeXt</a:t>
+            </a:r>
+            <a:r>
+              <a:rPr kumimoji="0" lang="en-US" altLang="en-US" sz="2000" b="1" i="0" u="none" strike="noStrike" cap="none" normalizeH="0" baseline="0" dirty="0">
+                <a:ln>
+                  <a:noFill/>
+                </a:ln>
+                <a:solidFill>
+                  <a:srgbClr val="00B050"/>
+                </a:solidFill>
+                <a:effectLst/>
+                <a:latin typeface="Arial" panose="020B0604020202020204" pitchFamily="34" charset="0"/>
+              </a:rPr>
+              <a:t> Tiny</a:t>
+            </a:r>
+            <a:r>
+              <a:rPr kumimoji="0" lang="en-US" altLang="en-US" sz="2000" b="0" i="0" u="none" strike="noStrike" cap="none" normalizeH="0" baseline="0" dirty="0">
+                <a:ln>
+                  <a:noFill/>
+                </a:ln>
+                <a:solidFill>
+                  <a:schemeClr val="tx1"/>
+                </a:solidFill>
+                <a:effectLst/>
+                <a:latin typeface="Arial" panose="020B0604020202020204" pitchFamily="34" charset="0"/>
+              </a:rPr>
+              <a:t> architecture, optimized for efficiency and performance</a:t>
             </a:r>
           </a:p>
           <a:p>
@@ -13267,12 +13212,59 @@
           </a:prstGeom>
         </p:spPr>
       </p:pic>
+      <p:pic>
+        <p:nvPicPr>
+          <p:cNvPr id="2050" name="Picture 2" descr="ConvNeXt — Next Generation of Convolutional Networks | by Atakan Erdoğan |  Medium">
+            <a:extLst>
+              <a:ext uri="{FF2B5EF4-FFF2-40B4-BE49-F238E27FC236}">
+                <a16:creationId xmlns:a16="http://schemas.microsoft.com/office/drawing/2014/main" id="{556F8E2F-1D32-27EB-1D97-FF1673027CD6}"/>
+              </a:ext>
+            </a:extLst>
+          </p:cNvPr>
+          <p:cNvPicPr>
+            <a:picLocks noChangeAspect="1" noChangeArrowheads="1"/>
+          </p:cNvPicPr>
+          <p:nvPr/>
+        </p:nvPicPr>
+        <p:blipFill>
+          <a:blip r:embed="rId3">
+            <a:extLst>
+              <a:ext uri="{28A0092B-C50C-407E-A947-70E740481C1C}">
+                <a14:useLocalDpi xmlns:a14="http://schemas.microsoft.com/office/drawing/2010/main" val="0"/>
+              </a:ext>
+            </a:extLst>
+          </a:blip>
+          <a:srcRect/>
+          <a:stretch>
+            <a:fillRect/>
+          </a:stretch>
+        </p:blipFill>
+        <p:spPr bwMode="auto">
+          <a:xfrm>
+            <a:off x="2268960" y="1434888"/>
+            <a:ext cx="8524875" cy="2314575"/>
+          </a:xfrm>
+          <a:prstGeom prst="rect">
+            <a:avLst/>
+          </a:prstGeom>
+          <a:noFill/>
+          <a:extLst>
+            <a:ext uri="{909E8E84-426E-40DD-AFC4-6F175D3DCCD1}">
+              <a14:hiddenFill xmlns:a14="http://schemas.microsoft.com/office/drawing/2010/main">
+                <a:solidFill>
+                  <a:srgbClr val="FFFFFF"/>
+                </a:solidFill>
+              </a14:hiddenFill>
+            </a:ext>
+          </a:extLst>
+        </p:spPr>
+      </p:pic>
       <p:sp>
         <p:nvSpPr>
-          <p:cNvPr id="6" name="Rectangle 1">
-            <a:extLst>
-              <a:ext uri="{FF2B5EF4-FFF2-40B4-BE49-F238E27FC236}">
-                <a16:creationId xmlns:a16="http://schemas.microsoft.com/office/drawing/2014/main" id="{A7865406-EEE0-6005-B2F5-DD360DF87AF3}"/>
+          <p:cNvPr id="2" name="Rectangle 1">
+            <a:extLst>
+              <a:ext uri="{FF2B5EF4-FFF2-40B4-BE49-F238E27FC236}">
+                <a16:creationId xmlns:a16="http://schemas.microsoft.com/office/drawing/2014/main" id="{F3E5E617-1A4A-1DBF-A568-606F066C2629}"/>
               </a:ext>
             </a:extLst>
           </p:cNvPr>
@@ -13283,8 +13275,8 @@
         </p:nvSpPr>
         <p:spPr bwMode="auto">
           <a:xfrm>
-            <a:off x="1385045" y="3606994"/>
-            <a:ext cx="10213052" cy="1200329"/>
+            <a:off x="1385045" y="3691699"/>
+            <a:ext cx="7657866" cy="400110"/>
           </a:xfrm>
           <a:prstGeom prst="rect">
             <a:avLst/>
@@ -13495,7 +13487,7 @@
             </a:lvl9pPr>
           </a:lstStyle>
           <a:p>
-            <a:pPr algn="l" eaLnBrk="0" fontAlgn="base" hangingPunct="0">
+            <a:pPr marL="342900" indent="-342900" algn="l" eaLnBrk="0" fontAlgn="base" hangingPunct="0">
               <a:lnSpc>
                 <a:spcPct val="100000"/>
               </a:lnSpc>
@@ -13505,85 +13497,29 @@
               <a:spcAft>
                 <a:spcPct val="0"/>
               </a:spcAft>
+              <a:buClr>
+                <a:srgbClr val="00B050"/>
+              </a:buClr>
+              <a:buFont typeface="Wingdings" panose="05000000000000000000" pitchFamily="2" charset="2"/>
+              <a:buChar char="Ø"/>
             </a:pPr>
             <a:r>
-              <a:rPr lang="en-US" altLang="en-US" sz="1800" i="1" dirty="0">
+              <a:rPr lang="en-US" altLang="en-US" sz="2000" dirty="0">
                 <a:latin typeface="Arial" panose="020B0604020202020204" pitchFamily="34" charset="0"/>
               </a:rPr>
-              <a:t>Note: Attempted other vision models like </a:t>
-            </a:r>
-            <a:r>
-              <a:rPr lang="en-US" altLang="en-US" sz="1800" i="1" dirty="0" err="1">
+              <a:t>Implemented </a:t>
+            </a:r>
+            <a:r>
+              <a:rPr lang="en-US" altLang="en-US" sz="2000" dirty="0" err="1">
                 <a:latin typeface="Arial" panose="020B0604020202020204" pitchFamily="34" charset="0"/>
               </a:rPr>
-              <a:t>Swin</a:t>
-            </a:r>
-            <a:r>
-              <a:rPr lang="en-US" altLang="en-US" sz="1800" i="1" dirty="0">
+              <a:t>ConvNeXtClassifier</a:t>
+            </a:r>
+            <a:r>
+              <a:rPr lang="en-US" altLang="en-US" sz="2000" dirty="0">
                 <a:latin typeface="Arial" panose="020B0604020202020204" pitchFamily="34" charset="0"/>
               </a:rPr>
-              <a:t> base pretrained with </a:t>
-            </a:r>
-            <a:r>
-              <a:rPr lang="en-US" altLang="en-US" sz="1800" i="1" dirty="0" err="1">
-                <a:latin typeface="Arial" panose="020B0604020202020204" pitchFamily="34" charset="0"/>
-              </a:rPr>
-              <a:t>imagenet</a:t>
-            </a:r>
-            <a:r>
-              <a:rPr lang="en-US" altLang="en-US" sz="1800" i="1" dirty="0">
-                <a:latin typeface="Arial" panose="020B0604020202020204" pitchFamily="34" charset="0"/>
-              </a:rPr>
-              <a:t>, and EfficientnetV2,</a:t>
-            </a:r>
-          </a:p>
-          <a:p>
-            <a:pPr algn="l" eaLnBrk="0" fontAlgn="base" hangingPunct="0">
-              <a:lnSpc>
-                <a:spcPct val="100000"/>
-              </a:lnSpc>
-              <a:spcBef>
-                <a:spcPct val="0"/>
-              </a:spcBef>
-              <a:spcAft>
-                <a:spcPct val="0"/>
-              </a:spcAft>
-            </a:pPr>
-            <a:r>
-              <a:rPr lang="en-US" altLang="en-US" sz="1800" i="1" dirty="0">
-                <a:latin typeface="Arial" panose="020B0604020202020204" pitchFamily="34" charset="0"/>
-              </a:rPr>
-              <a:t>but the performance metrices (Acc) was even poorer.</a:t>
-            </a:r>
-            <a:br>
-              <a:rPr lang="en-US" altLang="en-US" sz="1800" i="1" dirty="0">
-                <a:latin typeface="Arial" panose="020B0604020202020204" pitchFamily="34" charset="0"/>
-              </a:rPr>
-            </a:br>
-            <a:r>
-              <a:rPr lang="en-US" altLang="en-US" sz="1800" i="1" dirty="0">
-                <a:latin typeface="Arial" panose="020B0604020202020204" pitchFamily="34" charset="0"/>
-              </a:rPr>
-              <a:t>Future plan includes to try make a balanced dataset and include methods like ensemble technique</a:t>
-            </a:r>
-          </a:p>
-          <a:p>
-            <a:pPr algn="l" eaLnBrk="0" fontAlgn="base" hangingPunct="0">
-              <a:lnSpc>
-                <a:spcPct val="100000"/>
-              </a:lnSpc>
-              <a:spcBef>
-                <a:spcPct val="0"/>
-              </a:spcBef>
-              <a:spcAft>
-                <a:spcPct val="0"/>
-              </a:spcAft>
-            </a:pPr>
-            <a:r>
-              <a:rPr lang="en-US" altLang="en-US" sz="1800" i="1" dirty="0">
-                <a:latin typeface="Arial" panose="020B0604020202020204" pitchFamily="34" charset="0"/>
-              </a:rPr>
-              <a:t>to reduce overfitting.</a:t>
+              <a:t> class with pretrained weights</a:t>
             </a:r>
           </a:p>
         </p:txBody>
@@ -13593,7 +13529,7 @@
           <p:cNvPr id="8" name="Picture 7">
             <a:extLst>
               <a:ext uri="{FF2B5EF4-FFF2-40B4-BE49-F238E27FC236}">
-                <a16:creationId xmlns:a16="http://schemas.microsoft.com/office/drawing/2014/main" id="{1883E746-2DEA-46D0-DAAE-8B8695E7A226}"/>
+                <a16:creationId xmlns:a16="http://schemas.microsoft.com/office/drawing/2014/main" id="{C991BBCF-537E-EFBB-47B8-3C79860D271E}"/>
               </a:ext>
             </a:extLst>
           </p:cNvPr>
@@ -13603,15 +13539,15 @@
           <p:nvPr/>
         </p:nvPicPr>
         <p:blipFill>
-          <a:blip r:embed="rId3"/>
+          <a:blip r:embed="rId4"/>
           <a:stretch>
             <a:fillRect/>
           </a:stretch>
         </p:blipFill>
         <p:spPr>
           <a:xfrm>
-            <a:off x="2420493" y="1800428"/>
-            <a:ext cx="7909553" cy="1379000"/>
+            <a:off x="2162954" y="4153364"/>
+            <a:ext cx="8412935" cy="1487370"/>
           </a:xfrm>
           <a:prstGeom prst="rect">
             <a:avLst/>
@@ -13621,7 +13557,7 @@
     </p:spTree>
     <p:extLst>
       <p:ext uri="{BB962C8B-B14F-4D97-AF65-F5344CB8AC3E}">
-        <p14:creationId xmlns:p14="http://schemas.microsoft.com/office/powerpoint/2010/main" val="3817534678"/>
+        <p14:creationId xmlns:p14="http://schemas.microsoft.com/office/powerpoint/2010/main" val="3354677443"/>
       </p:ext>
     </p:extLst>
   </p:cSld>
@@ -13682,7 +13618,7 @@
                   <a:srgbClr val="00B050"/>
                 </a:solidFill>
               </a:rPr>
-              <a:t>    Training</a:t>
+              <a:t>    Model Architecture</a:t>
             </a:r>
           </a:p>
         </p:txBody>
@@ -13705,8 +13641,8 @@
         </p:nvSpPr>
         <p:spPr bwMode="auto">
           <a:xfrm>
-            <a:off x="1385046" y="1030987"/>
-            <a:ext cx="9567171" cy="1631216"/>
+            <a:off x="1385046" y="1092542"/>
+            <a:ext cx="8024954" cy="707886"/>
           </a:xfrm>
           <a:prstGeom prst="rect">
             <a:avLst/>
@@ -13774,11 +13710,11 @@
               <a:rPr lang="en-US" altLang="en-US" sz="2000" dirty="0">
                 <a:latin typeface="Arial" panose="020B0604020202020204" pitchFamily="34" charset="0"/>
               </a:rPr>
-              <a:t>Implemented weighted random sampling to handle class imbalance.</a:t>
-            </a:r>
-          </a:p>
-          <a:p>
-            <a:pPr marL="342900" indent="-342900" algn="l" eaLnBrk="0" fontAlgn="base" hangingPunct="0">
+              <a:t>Adapted the model for multi-class classification with 4,077 classes</a:t>
+            </a:r>
+          </a:p>
+          <a:p>
+            <a:pPr marL="0" marR="0" lvl="0" indent="0" algn="l" defTabSz="914400" rtl="0" eaLnBrk="0" fontAlgn="base" latinLnBrk="0" hangingPunct="0">
               <a:lnSpc>
                 <a:spcPct val="100000"/>
               </a:lnSpc>
@@ -13788,126 +13724,10 @@
               <a:spcAft>
                 <a:spcPct val="0"/>
               </a:spcAft>
-              <a:buClr>
-                <a:srgbClr val="00B050"/>
-              </a:buClr>
-              <a:buFont typeface="Wingdings" panose="05000000000000000000" pitchFamily="2" charset="2"/>
-              <a:buChar char="Ø"/>
+              <a:buClrTx/>
+              <a:buSzTx/>
+              <a:tabLst/>
             </a:pPr>
-            <a:r>
-              <a:rPr lang="en-US" altLang="en-US" sz="2000" dirty="0">
-                <a:latin typeface="Arial" panose="020B0604020202020204" pitchFamily="34" charset="0"/>
-              </a:rPr>
-              <a:t>Used </a:t>
-            </a:r>
-            <a:r>
-              <a:rPr lang="en-US" altLang="en-US" sz="2000" dirty="0" err="1">
-                <a:latin typeface="Arial" panose="020B0604020202020204" pitchFamily="34" charset="0"/>
-              </a:rPr>
-              <a:t>CrossEntropyLoss</a:t>
-            </a:r>
-            <a:r>
-              <a:rPr lang="en-US" altLang="en-US" sz="2000" dirty="0">
-                <a:latin typeface="Arial" panose="020B0604020202020204" pitchFamily="34" charset="0"/>
-              </a:rPr>
-              <a:t> with label smoothing (0.1) to prevent overfitting.</a:t>
-            </a:r>
-          </a:p>
-          <a:p>
-            <a:pPr marL="342900" indent="-342900" algn="l" eaLnBrk="0" fontAlgn="base" hangingPunct="0">
-              <a:lnSpc>
-                <a:spcPct val="100000"/>
-              </a:lnSpc>
-              <a:spcBef>
-                <a:spcPct val="0"/>
-              </a:spcBef>
-              <a:spcAft>
-                <a:spcPct val="0"/>
-              </a:spcAft>
-              <a:buClr>
-                <a:srgbClr val="00B050"/>
-              </a:buClr>
-              <a:buFont typeface="Wingdings" panose="05000000000000000000" pitchFamily="2" charset="2"/>
-              <a:buChar char="Ø"/>
-            </a:pPr>
-            <a:r>
-              <a:rPr lang="en-US" altLang="en-US" sz="2000" dirty="0">
-                <a:latin typeface="Arial" panose="020B0604020202020204" pitchFamily="34" charset="0"/>
-              </a:rPr>
-              <a:t>Optimizer: </a:t>
-            </a:r>
-            <a:r>
-              <a:rPr lang="en-US" altLang="en-US" sz="2000" dirty="0" err="1">
-                <a:latin typeface="Arial" panose="020B0604020202020204" pitchFamily="34" charset="0"/>
-              </a:rPr>
-              <a:t>AdamW</a:t>
-            </a:r>
-            <a:r>
-              <a:rPr lang="en-US" altLang="en-US" sz="2000" dirty="0">
-                <a:latin typeface="Arial" panose="020B0604020202020204" pitchFamily="34" charset="0"/>
-              </a:rPr>
-              <a:t> with weight decay for regularization.</a:t>
-            </a:r>
-          </a:p>
-          <a:p>
-            <a:pPr marL="342900" indent="-342900" algn="l" eaLnBrk="0" fontAlgn="base" hangingPunct="0">
-              <a:lnSpc>
-                <a:spcPct val="100000"/>
-              </a:lnSpc>
-              <a:spcBef>
-                <a:spcPct val="0"/>
-              </a:spcBef>
-              <a:spcAft>
-                <a:spcPct val="0"/>
-              </a:spcAft>
-              <a:buClr>
-                <a:srgbClr val="00B050"/>
-              </a:buClr>
-              <a:buFont typeface="Wingdings" panose="05000000000000000000" pitchFamily="2" charset="2"/>
-              <a:buChar char="Ø"/>
-            </a:pPr>
-            <a:r>
-              <a:rPr lang="en-US" altLang="en-US" sz="2000" dirty="0">
-                <a:latin typeface="Arial" panose="020B0604020202020204" pitchFamily="34" charset="0"/>
-              </a:rPr>
-              <a:t>Learning rate scheduler: </a:t>
-            </a:r>
-            <a:r>
-              <a:rPr lang="en-US" altLang="en-US" sz="2000" dirty="0" err="1">
-                <a:latin typeface="Arial" panose="020B0604020202020204" pitchFamily="34" charset="0"/>
-              </a:rPr>
-              <a:t>CosineAnnealingWarmRestarts</a:t>
-            </a:r>
-            <a:r>
-              <a:rPr lang="en-US" altLang="en-US" sz="2000" dirty="0">
-                <a:latin typeface="Arial" panose="020B0604020202020204" pitchFamily="34" charset="0"/>
-              </a:rPr>
-              <a:t> for better convergence.</a:t>
-            </a:r>
-          </a:p>
-          <a:p>
-            <a:pPr marL="342900" indent="-342900" algn="l" eaLnBrk="0" fontAlgn="base" hangingPunct="0">
-              <a:lnSpc>
-                <a:spcPct val="100000"/>
-              </a:lnSpc>
-              <a:spcBef>
-                <a:spcPct val="0"/>
-              </a:spcBef>
-              <a:spcAft>
-                <a:spcPct val="0"/>
-              </a:spcAft>
-              <a:buClr>
-                <a:srgbClr val="00B050"/>
-              </a:buClr>
-              <a:buFont typeface="Wingdings" panose="05000000000000000000" pitchFamily="2" charset="2"/>
-              <a:buChar char="Ø"/>
-            </a:pPr>
-            <a:r>
-              <a:rPr lang="en-US" altLang="en-US" sz="2000" dirty="0">
-                <a:latin typeface="Arial" panose="020B0604020202020204" pitchFamily="34" charset="0"/>
-              </a:rPr>
-              <a:t>Implemented early stopping to prevent overfitting.</a:t>
-            </a:r>
             <a:endParaRPr kumimoji="0" lang="en-US" altLang="en-US" sz="2000" b="0" i="0" u="none" strike="noStrike" cap="none" normalizeH="0" baseline="0" dirty="0">
               <a:ln>
                 <a:noFill/>
@@ -13923,10 +13743,10 @@
       </p:sp>
       <p:pic>
         <p:nvPicPr>
-          <p:cNvPr id="7" name="Picture 6">
-            <a:extLst>
-              <a:ext uri="{FF2B5EF4-FFF2-40B4-BE49-F238E27FC236}">
-                <a16:creationId xmlns:a16="http://schemas.microsoft.com/office/drawing/2014/main" id="{5801F9DB-7F16-DE1E-6E89-955AAA995067}"/>
+          <p:cNvPr id="5" name="Picture 4">
+            <a:extLst>
+              <a:ext uri="{FF2B5EF4-FFF2-40B4-BE49-F238E27FC236}">
+                <a16:creationId xmlns:a16="http://schemas.microsoft.com/office/drawing/2014/main" id="{01313DC8-FC43-C1C0-4FE2-9C0971EE0A35}"/>
               </a:ext>
             </a:extLst>
           </p:cNvPr>
@@ -13943,20 +13763,341 @@
         </p:blipFill>
         <p:spPr>
           <a:xfrm>
-            <a:off x="2858215" y="2720926"/>
-            <a:ext cx="7022414" cy="3213498"/>
+            <a:off x="1385046" y="201166"/>
+            <a:ext cx="510584" cy="579170"/>
           </a:xfrm>
           <a:prstGeom prst="rect">
             <a:avLst/>
           </a:prstGeom>
         </p:spPr>
       </p:pic>
+      <p:sp>
+        <p:nvSpPr>
+          <p:cNvPr id="6" name="Rectangle 1">
+            <a:extLst>
+              <a:ext uri="{FF2B5EF4-FFF2-40B4-BE49-F238E27FC236}">
+                <a16:creationId xmlns:a16="http://schemas.microsoft.com/office/drawing/2014/main" id="{A7865406-EEE0-6005-B2F5-DD360DF87AF3}"/>
+              </a:ext>
+            </a:extLst>
+          </p:cNvPr>
+          <p:cNvSpPr txBox="1">
+            <a:spLocks noChangeArrowheads="1"/>
+          </p:cNvSpPr>
+          <p:nvPr/>
+        </p:nvSpPr>
+        <p:spPr bwMode="auto">
+          <a:xfrm>
+            <a:off x="1385045" y="3606994"/>
+            <a:ext cx="10213052" cy="1200329"/>
+          </a:xfrm>
+          <a:prstGeom prst="rect">
+            <a:avLst/>
+          </a:prstGeom>
+          <a:noFill/>
+          <a:ln>
+            <a:noFill/>
+          </a:ln>
+          <a:effectLst/>
+          <a:extLst>
+            <a:ext uri="{909E8E84-426E-40DD-AFC4-6F175D3DCCD1}">
+              <a14:hiddenFill xmlns:a14="http://schemas.microsoft.com/office/drawing/2010/main">
+                <a:solidFill>
+                  <a:schemeClr val="accent1"/>
+                </a:solidFill>
+              </a14:hiddenFill>
+            </a:ext>
+            <a:ext uri="{91240B29-F687-4F45-9708-019B960494DF}">
+              <a14:hiddenLine xmlns:a14="http://schemas.microsoft.com/office/drawing/2010/main" w="9525">
+                <a:solidFill>
+                  <a:schemeClr val="tx1"/>
+                </a:solidFill>
+                <a:miter lim="800000"/>
+                <a:headEnd/>
+                <a:tailEnd/>
+              </a14:hiddenLine>
+            </a:ext>
+            <a:ext uri="{AF507438-7753-43E0-B8FC-AC1667EBCBE1}">
+              <a14:hiddenEffects xmlns:a14="http://schemas.microsoft.com/office/drawing/2010/main">
+                <a:effectLst>
+                  <a:outerShdw dist="35921" dir="2700000" algn="ctr" rotWithShape="0">
+                    <a:schemeClr val="bg2"/>
+                  </a:outerShdw>
+                </a:effectLst>
+              </a14:hiddenEffects>
+            </a:ext>
+          </a:extLst>
+        </p:spPr>
+        <p:txBody>
+          <a:bodyPr vert="horz" wrap="none" lIns="91440" tIns="45720" rIns="91440" bIns="45720" numCol="1" rtlCol="0" anchor="ctr" anchorCtr="0" compatLnSpc="1">
+            <a:prstTxWarp prst="textNoShape">
+              <a:avLst/>
+            </a:prstTxWarp>
+            <a:spAutoFit/>
+          </a:bodyPr>
+          <a:lstStyle>
+            <a:lvl1pPr marL="0" indent="0" algn="ctr" defTabSz="914400" rtl="0" eaLnBrk="1" latinLnBrk="0" hangingPunct="1">
+              <a:lnSpc>
+                <a:spcPct val="90000"/>
+              </a:lnSpc>
+              <a:spcBef>
+                <a:spcPts val="1000"/>
+              </a:spcBef>
+              <a:buFont typeface="Arial" panose="020B0604020202020204" pitchFamily="34" charset="0"/>
+              <a:buNone/>
+              <a:defRPr sz="2400" kern="1200">
+                <a:solidFill>
+                  <a:schemeClr val="tx1"/>
+                </a:solidFill>
+                <a:latin typeface="+mn-lt"/>
+                <a:ea typeface="+mn-ea"/>
+                <a:cs typeface="+mn-cs"/>
+              </a:defRPr>
+            </a:lvl1pPr>
+            <a:lvl2pPr marL="457200" indent="0" algn="ctr" defTabSz="914400" rtl="0" eaLnBrk="1" latinLnBrk="0" hangingPunct="1">
+              <a:lnSpc>
+                <a:spcPct val="90000"/>
+              </a:lnSpc>
+              <a:spcBef>
+                <a:spcPts val="500"/>
+              </a:spcBef>
+              <a:buFont typeface="Arial" panose="020B0604020202020204" pitchFamily="34" charset="0"/>
+              <a:buNone/>
+              <a:defRPr sz="2000" kern="1200">
+                <a:solidFill>
+                  <a:schemeClr val="tx1"/>
+                </a:solidFill>
+                <a:latin typeface="+mn-lt"/>
+                <a:ea typeface="+mn-ea"/>
+                <a:cs typeface="+mn-cs"/>
+              </a:defRPr>
+            </a:lvl2pPr>
+            <a:lvl3pPr marL="914400" indent="0" algn="ctr" defTabSz="914400" rtl="0" eaLnBrk="1" latinLnBrk="0" hangingPunct="1">
+              <a:lnSpc>
+                <a:spcPct val="90000"/>
+              </a:lnSpc>
+              <a:spcBef>
+                <a:spcPts val="500"/>
+              </a:spcBef>
+              <a:buFont typeface="Arial" panose="020B0604020202020204" pitchFamily="34" charset="0"/>
+              <a:buNone/>
+              <a:defRPr sz="1800" kern="1200">
+                <a:solidFill>
+                  <a:schemeClr val="tx1"/>
+                </a:solidFill>
+                <a:latin typeface="+mn-lt"/>
+                <a:ea typeface="+mn-ea"/>
+                <a:cs typeface="+mn-cs"/>
+              </a:defRPr>
+            </a:lvl3pPr>
+            <a:lvl4pPr marL="1371600" indent="0" algn="ctr" defTabSz="914400" rtl="0" eaLnBrk="1" latinLnBrk="0" hangingPunct="1">
+              <a:lnSpc>
+                <a:spcPct val="90000"/>
+              </a:lnSpc>
+              <a:spcBef>
+                <a:spcPts val="500"/>
+              </a:spcBef>
+              <a:buFont typeface="Arial" panose="020B0604020202020204" pitchFamily="34" charset="0"/>
+              <a:buNone/>
+              <a:defRPr sz="1600" kern="1200">
+                <a:solidFill>
+                  <a:schemeClr val="tx1"/>
+                </a:solidFill>
+                <a:latin typeface="+mn-lt"/>
+                <a:ea typeface="+mn-ea"/>
+                <a:cs typeface="+mn-cs"/>
+              </a:defRPr>
+            </a:lvl4pPr>
+            <a:lvl5pPr marL="1828800" indent="0" algn="ctr" defTabSz="914400" rtl="0" eaLnBrk="1" latinLnBrk="0" hangingPunct="1">
+              <a:lnSpc>
+                <a:spcPct val="90000"/>
+              </a:lnSpc>
+              <a:spcBef>
+                <a:spcPts val="500"/>
+              </a:spcBef>
+              <a:buFont typeface="Arial" panose="020B0604020202020204" pitchFamily="34" charset="0"/>
+              <a:buNone/>
+              <a:defRPr sz="1600" kern="1200">
+                <a:solidFill>
+                  <a:schemeClr val="tx1"/>
+                </a:solidFill>
+                <a:latin typeface="+mn-lt"/>
+                <a:ea typeface="+mn-ea"/>
+                <a:cs typeface="+mn-cs"/>
+              </a:defRPr>
+            </a:lvl5pPr>
+            <a:lvl6pPr marL="2286000" indent="0" algn="ctr" defTabSz="914400" rtl="0" eaLnBrk="1" latinLnBrk="0" hangingPunct="1">
+              <a:lnSpc>
+                <a:spcPct val="90000"/>
+              </a:lnSpc>
+              <a:spcBef>
+                <a:spcPts val="500"/>
+              </a:spcBef>
+              <a:buFont typeface="Arial" panose="020B0604020202020204" pitchFamily="34" charset="0"/>
+              <a:buNone/>
+              <a:defRPr sz="1600" kern="1200">
+                <a:solidFill>
+                  <a:schemeClr val="tx1"/>
+                </a:solidFill>
+                <a:latin typeface="+mn-lt"/>
+                <a:ea typeface="+mn-ea"/>
+                <a:cs typeface="+mn-cs"/>
+              </a:defRPr>
+            </a:lvl6pPr>
+            <a:lvl7pPr marL="2743200" indent="0" algn="ctr" defTabSz="914400" rtl="0" eaLnBrk="1" latinLnBrk="0" hangingPunct="1">
+              <a:lnSpc>
+                <a:spcPct val="90000"/>
+              </a:lnSpc>
+              <a:spcBef>
+                <a:spcPts val="500"/>
+              </a:spcBef>
+              <a:buFont typeface="Arial" panose="020B0604020202020204" pitchFamily="34" charset="0"/>
+              <a:buNone/>
+              <a:defRPr sz="1600" kern="1200">
+                <a:solidFill>
+                  <a:schemeClr val="tx1"/>
+                </a:solidFill>
+                <a:latin typeface="+mn-lt"/>
+                <a:ea typeface="+mn-ea"/>
+                <a:cs typeface="+mn-cs"/>
+              </a:defRPr>
+            </a:lvl7pPr>
+            <a:lvl8pPr marL="3200400" indent="0" algn="ctr" defTabSz="914400" rtl="0" eaLnBrk="1" latinLnBrk="0" hangingPunct="1">
+              <a:lnSpc>
+                <a:spcPct val="90000"/>
+              </a:lnSpc>
+              <a:spcBef>
+                <a:spcPts val="500"/>
+              </a:spcBef>
+              <a:buFont typeface="Arial" panose="020B0604020202020204" pitchFamily="34" charset="0"/>
+              <a:buNone/>
+              <a:defRPr sz="1600" kern="1200">
+                <a:solidFill>
+                  <a:schemeClr val="tx1"/>
+                </a:solidFill>
+                <a:latin typeface="+mn-lt"/>
+                <a:ea typeface="+mn-ea"/>
+                <a:cs typeface="+mn-cs"/>
+              </a:defRPr>
+            </a:lvl8pPr>
+            <a:lvl9pPr marL="3657600" indent="0" algn="ctr" defTabSz="914400" rtl="0" eaLnBrk="1" latinLnBrk="0" hangingPunct="1">
+              <a:lnSpc>
+                <a:spcPct val="90000"/>
+              </a:lnSpc>
+              <a:spcBef>
+                <a:spcPts val="500"/>
+              </a:spcBef>
+              <a:buFont typeface="Arial" panose="020B0604020202020204" pitchFamily="34" charset="0"/>
+              <a:buNone/>
+              <a:defRPr sz="1600" kern="1200">
+                <a:solidFill>
+                  <a:schemeClr val="tx1"/>
+                </a:solidFill>
+                <a:latin typeface="+mn-lt"/>
+                <a:ea typeface="+mn-ea"/>
+                <a:cs typeface="+mn-cs"/>
+              </a:defRPr>
+            </a:lvl9pPr>
+          </a:lstStyle>
+          <a:p>
+            <a:pPr algn="l" eaLnBrk="0" fontAlgn="base" hangingPunct="0">
+              <a:lnSpc>
+                <a:spcPct val="100000"/>
+              </a:lnSpc>
+              <a:spcBef>
+                <a:spcPct val="0"/>
+              </a:spcBef>
+              <a:spcAft>
+                <a:spcPct val="0"/>
+              </a:spcAft>
+            </a:pPr>
+            <a:r>
+              <a:rPr lang="en-US" altLang="en-US" sz="1800" i="1" dirty="0">
+                <a:latin typeface="Arial" panose="020B0604020202020204" pitchFamily="34" charset="0"/>
+              </a:rPr>
+              <a:t>Note: Attempted other vision models like </a:t>
+            </a:r>
+            <a:r>
+              <a:rPr lang="en-US" altLang="en-US" sz="1800" i="1" dirty="0" err="1">
+                <a:latin typeface="Arial" panose="020B0604020202020204" pitchFamily="34" charset="0"/>
+              </a:rPr>
+              <a:t>Swin</a:t>
+            </a:r>
+            <a:r>
+              <a:rPr lang="en-US" altLang="en-US" sz="1800" i="1" dirty="0">
+                <a:latin typeface="Arial" panose="020B0604020202020204" pitchFamily="34" charset="0"/>
+              </a:rPr>
+              <a:t> base pretrained with </a:t>
+            </a:r>
+            <a:r>
+              <a:rPr lang="en-US" altLang="en-US" sz="1800" i="1" dirty="0" err="1">
+                <a:latin typeface="Arial" panose="020B0604020202020204" pitchFamily="34" charset="0"/>
+              </a:rPr>
+              <a:t>imagenet</a:t>
+            </a:r>
+            <a:r>
+              <a:rPr lang="en-US" altLang="en-US" sz="1800" i="1" dirty="0">
+                <a:latin typeface="Arial" panose="020B0604020202020204" pitchFamily="34" charset="0"/>
+              </a:rPr>
+              <a:t>, and EfficientnetV2,</a:t>
+            </a:r>
+          </a:p>
+          <a:p>
+            <a:pPr algn="l" eaLnBrk="0" fontAlgn="base" hangingPunct="0">
+              <a:lnSpc>
+                <a:spcPct val="100000"/>
+              </a:lnSpc>
+              <a:spcBef>
+                <a:spcPct val="0"/>
+              </a:spcBef>
+              <a:spcAft>
+                <a:spcPct val="0"/>
+              </a:spcAft>
+            </a:pPr>
+            <a:r>
+              <a:rPr lang="en-US" altLang="en-US" sz="1800" i="1" dirty="0">
+                <a:latin typeface="Arial" panose="020B0604020202020204" pitchFamily="34" charset="0"/>
+              </a:rPr>
+              <a:t>but were thrown as an overkill showing a strong overfitting.</a:t>
+            </a:r>
+            <a:br>
+              <a:rPr lang="en-US" altLang="en-US" sz="1800" i="1" dirty="0">
+                <a:latin typeface="Arial" panose="020B0604020202020204" pitchFamily="34" charset="0"/>
+              </a:rPr>
+            </a:br>
+            <a:r>
+              <a:rPr lang="en-US" altLang="en-US" sz="1800" i="1" dirty="0">
+                <a:latin typeface="Arial" panose="020B0604020202020204" pitchFamily="34" charset="0"/>
+              </a:rPr>
+              <a:t>Future plan includes to try make a balanced dataset and include methods like ensemble technique</a:t>
+            </a:r>
+          </a:p>
+          <a:p>
+            <a:pPr algn="l" eaLnBrk="0" fontAlgn="base" hangingPunct="0">
+              <a:lnSpc>
+                <a:spcPct val="100000"/>
+              </a:lnSpc>
+              <a:spcBef>
+                <a:spcPct val="0"/>
+              </a:spcBef>
+              <a:spcAft>
+                <a:spcPct val="0"/>
+              </a:spcAft>
+            </a:pPr>
+            <a:r>
+              <a:rPr lang="en-US" altLang="en-US" sz="1800" i="1" dirty="0">
+                <a:latin typeface="Arial" panose="020B0604020202020204" pitchFamily="34" charset="0"/>
+              </a:rPr>
+              <a:t>to reduce overfitting.</a:t>
+            </a:r>
+          </a:p>
+        </p:txBody>
+      </p:sp>
       <p:pic>
         <p:nvPicPr>
-          <p:cNvPr id="10" name="Picture 9">
-            <a:extLst>
-              <a:ext uri="{FF2B5EF4-FFF2-40B4-BE49-F238E27FC236}">
-                <a16:creationId xmlns:a16="http://schemas.microsoft.com/office/drawing/2014/main" id="{F8819FAA-55FC-7B34-48AA-74F7441F434F}"/>
+          <p:cNvPr id="8" name="Picture 7">
+            <a:extLst>
+              <a:ext uri="{FF2B5EF4-FFF2-40B4-BE49-F238E27FC236}">
+                <a16:creationId xmlns:a16="http://schemas.microsoft.com/office/drawing/2014/main" id="{1883E746-2DEA-46D0-DAAE-8B8695E7A226}"/>
               </a:ext>
             </a:extLst>
           </p:cNvPr>
@@ -13973,8 +14114,8 @@
         </p:blipFill>
         <p:spPr>
           <a:xfrm>
-            <a:off x="1385046" y="309576"/>
-            <a:ext cx="434378" cy="502964"/>
+            <a:off x="2420493" y="1800428"/>
+            <a:ext cx="7909553" cy="1379000"/>
           </a:xfrm>
           <a:prstGeom prst="rect">
             <a:avLst/>
@@ -13984,7 +14125,7 @@
     </p:spTree>
     <p:extLst>
       <p:ext uri="{BB962C8B-B14F-4D97-AF65-F5344CB8AC3E}">
-        <p14:creationId xmlns:p14="http://schemas.microsoft.com/office/powerpoint/2010/main" val="3457599504"/>
+        <p14:creationId xmlns:p14="http://schemas.microsoft.com/office/powerpoint/2010/main" val="3817534678"/>
       </p:ext>
     </p:extLst>
   </p:cSld>
@@ -14045,17 +14186,251 @@
                   <a:srgbClr val="00B050"/>
                 </a:solidFill>
               </a:rPr>
-              <a:t>    Results and Evaluation</a:t>
-            </a:r>
+              <a:t>    Training</a:t>
+            </a:r>
+          </a:p>
+        </p:txBody>
+      </p:sp>
+      <p:sp>
+        <p:nvSpPr>
+          <p:cNvPr id="4" name="Rectangle 1">
+            <a:extLst>
+              <a:ext uri="{FF2B5EF4-FFF2-40B4-BE49-F238E27FC236}">
+                <a16:creationId xmlns:a16="http://schemas.microsoft.com/office/drawing/2014/main" id="{1D48F620-03B0-33F7-9885-DBCF1A4D8771}"/>
+              </a:ext>
+            </a:extLst>
+          </p:cNvPr>
+          <p:cNvSpPr>
+            <a:spLocks noGrp="1" noChangeArrowheads="1"/>
+          </p:cNvSpPr>
+          <p:nvPr>
+            <p:ph type="subTitle" idx="1"/>
+          </p:nvPr>
+        </p:nvSpPr>
+        <p:spPr bwMode="auto">
+          <a:xfrm>
+            <a:off x="1385046" y="1030987"/>
+            <a:ext cx="9567171" cy="1631216"/>
+          </a:xfrm>
+          <a:prstGeom prst="rect">
+            <a:avLst/>
+          </a:prstGeom>
+          <a:noFill/>
+          <a:ln>
+            <a:noFill/>
+          </a:ln>
+          <a:effectLst/>
+          <a:extLst>
+            <a:ext uri="{909E8E84-426E-40DD-AFC4-6F175D3DCCD1}">
+              <a14:hiddenFill xmlns:a14="http://schemas.microsoft.com/office/drawing/2010/main">
+                <a:solidFill>
+                  <a:schemeClr val="accent1"/>
+                </a:solidFill>
+              </a14:hiddenFill>
+            </a:ext>
+            <a:ext uri="{91240B29-F687-4F45-9708-019B960494DF}">
+              <a14:hiddenLine xmlns:a14="http://schemas.microsoft.com/office/drawing/2010/main" w="9525">
+                <a:solidFill>
+                  <a:schemeClr val="tx1"/>
+                </a:solidFill>
+                <a:miter lim="800000"/>
+                <a:headEnd/>
+                <a:tailEnd/>
+              </a14:hiddenLine>
+            </a:ext>
+            <a:ext uri="{AF507438-7753-43E0-B8FC-AC1667EBCBE1}">
+              <a14:hiddenEffects xmlns:a14="http://schemas.microsoft.com/office/drawing/2010/main">
+                <a:effectLst>
+                  <a:outerShdw dist="35921" dir="2700000" algn="ctr" rotWithShape="0">
+                    <a:schemeClr val="bg2"/>
+                  </a:outerShdw>
+                </a:effectLst>
+              </a14:hiddenEffects>
+            </a:ext>
+          </a:extLst>
+        </p:spPr>
+        <p:txBody>
+          <a:bodyPr vert="horz" wrap="none" lIns="91440" tIns="45720" rIns="91440" bIns="45720" numCol="1" anchor="ctr" anchorCtr="0" compatLnSpc="1">
+            <a:prstTxWarp prst="textNoShape">
+              <a:avLst/>
+            </a:prstTxWarp>
+            <a:spAutoFit/>
+          </a:bodyPr>
+          <a:lstStyle/>
+          <a:p>
+            <a:pPr marL="342900" indent="-342900" algn="l" eaLnBrk="0" fontAlgn="base" hangingPunct="0">
+              <a:lnSpc>
+                <a:spcPct val="100000"/>
+              </a:lnSpc>
+              <a:spcBef>
+                <a:spcPct val="0"/>
+              </a:spcBef>
+              <a:spcAft>
+                <a:spcPct val="0"/>
+              </a:spcAft>
+              <a:buClr>
+                <a:srgbClr val="00B050"/>
+              </a:buClr>
+              <a:buFont typeface="Wingdings" panose="05000000000000000000" pitchFamily="2" charset="2"/>
+              <a:buChar char="Ø"/>
+            </a:pPr>
+            <a:r>
+              <a:rPr lang="en-US" altLang="en-US" sz="2000" dirty="0">
+                <a:latin typeface="Arial" panose="020B0604020202020204" pitchFamily="34" charset="0"/>
+              </a:rPr>
+              <a:t>Implemented weighted random sampling to handle class imbalance.</a:t>
+            </a:r>
+          </a:p>
+          <a:p>
+            <a:pPr marL="342900" indent="-342900" algn="l" eaLnBrk="0" fontAlgn="base" hangingPunct="0">
+              <a:lnSpc>
+                <a:spcPct val="100000"/>
+              </a:lnSpc>
+              <a:spcBef>
+                <a:spcPct val="0"/>
+              </a:spcBef>
+              <a:spcAft>
+                <a:spcPct val="0"/>
+              </a:spcAft>
+              <a:buClr>
+                <a:srgbClr val="00B050"/>
+              </a:buClr>
+              <a:buFont typeface="Wingdings" panose="05000000000000000000" pitchFamily="2" charset="2"/>
+              <a:buChar char="Ø"/>
+            </a:pPr>
+            <a:r>
+              <a:rPr lang="en-US" altLang="en-US" sz="2000" dirty="0">
+                <a:latin typeface="Arial" panose="020B0604020202020204" pitchFamily="34" charset="0"/>
+              </a:rPr>
+              <a:t>Used </a:t>
+            </a:r>
+            <a:r>
+              <a:rPr lang="en-US" altLang="en-US" sz="2000" dirty="0" err="1">
+                <a:latin typeface="Arial" panose="020B0604020202020204" pitchFamily="34" charset="0"/>
+              </a:rPr>
+              <a:t>CrossEntropyLoss</a:t>
+            </a:r>
+            <a:r>
+              <a:rPr lang="en-US" altLang="en-US" sz="2000" dirty="0">
+                <a:latin typeface="Arial" panose="020B0604020202020204" pitchFamily="34" charset="0"/>
+              </a:rPr>
+              <a:t> with label smoothing (0.1) to prevent overfitting.</a:t>
+            </a:r>
+          </a:p>
+          <a:p>
+            <a:pPr marL="342900" indent="-342900" algn="l" eaLnBrk="0" fontAlgn="base" hangingPunct="0">
+              <a:lnSpc>
+                <a:spcPct val="100000"/>
+              </a:lnSpc>
+              <a:spcBef>
+                <a:spcPct val="0"/>
+              </a:spcBef>
+              <a:spcAft>
+                <a:spcPct val="0"/>
+              </a:spcAft>
+              <a:buClr>
+                <a:srgbClr val="00B050"/>
+              </a:buClr>
+              <a:buFont typeface="Wingdings" panose="05000000000000000000" pitchFamily="2" charset="2"/>
+              <a:buChar char="Ø"/>
+            </a:pPr>
+            <a:r>
+              <a:rPr lang="en-US" altLang="en-US" sz="2000" dirty="0">
+                <a:latin typeface="Arial" panose="020B0604020202020204" pitchFamily="34" charset="0"/>
+              </a:rPr>
+              <a:t>Optimizer: </a:t>
+            </a:r>
+            <a:r>
+              <a:rPr lang="en-US" altLang="en-US" sz="2000" dirty="0" err="1">
+                <a:latin typeface="Arial" panose="020B0604020202020204" pitchFamily="34" charset="0"/>
+              </a:rPr>
+              <a:t>AdamW</a:t>
+            </a:r>
+            <a:r>
+              <a:rPr lang="en-US" altLang="en-US" sz="2000" dirty="0">
+                <a:latin typeface="Arial" panose="020B0604020202020204" pitchFamily="34" charset="0"/>
+              </a:rPr>
+              <a:t> with weight decay for regularization.</a:t>
+            </a:r>
+          </a:p>
+          <a:p>
+            <a:pPr marL="342900" indent="-342900" algn="l" eaLnBrk="0" fontAlgn="base" hangingPunct="0">
+              <a:lnSpc>
+                <a:spcPct val="100000"/>
+              </a:lnSpc>
+              <a:spcBef>
+                <a:spcPct val="0"/>
+              </a:spcBef>
+              <a:spcAft>
+                <a:spcPct val="0"/>
+              </a:spcAft>
+              <a:buClr>
+                <a:srgbClr val="00B050"/>
+              </a:buClr>
+              <a:buFont typeface="Wingdings" panose="05000000000000000000" pitchFamily="2" charset="2"/>
+              <a:buChar char="Ø"/>
+            </a:pPr>
+            <a:r>
+              <a:rPr lang="en-US" altLang="en-US" sz="2000" dirty="0">
+                <a:latin typeface="Arial" panose="020B0604020202020204" pitchFamily="34" charset="0"/>
+              </a:rPr>
+              <a:t>Learning rate scheduler: </a:t>
+            </a:r>
+            <a:r>
+              <a:rPr lang="en-US" altLang="en-US" sz="2000" dirty="0" err="1">
+                <a:latin typeface="Arial" panose="020B0604020202020204" pitchFamily="34" charset="0"/>
+              </a:rPr>
+              <a:t>CosineAnnealingWarmRestarts</a:t>
+            </a:r>
+            <a:r>
+              <a:rPr lang="en-US" altLang="en-US" sz="2000" dirty="0">
+                <a:latin typeface="Arial" panose="020B0604020202020204" pitchFamily="34" charset="0"/>
+              </a:rPr>
+              <a:t> for better convergence.</a:t>
+            </a:r>
+          </a:p>
+          <a:p>
+            <a:pPr marL="342900" indent="-342900" algn="l" eaLnBrk="0" fontAlgn="base" hangingPunct="0">
+              <a:lnSpc>
+                <a:spcPct val="100000"/>
+              </a:lnSpc>
+              <a:spcBef>
+                <a:spcPct val="0"/>
+              </a:spcBef>
+              <a:spcAft>
+                <a:spcPct val="0"/>
+              </a:spcAft>
+              <a:buClr>
+                <a:srgbClr val="00B050"/>
+              </a:buClr>
+              <a:buFont typeface="Wingdings" panose="05000000000000000000" pitchFamily="2" charset="2"/>
+              <a:buChar char="Ø"/>
+            </a:pPr>
+            <a:r>
+              <a:rPr lang="en-US" altLang="en-US" sz="2000" dirty="0">
+                <a:latin typeface="Arial" panose="020B0604020202020204" pitchFamily="34" charset="0"/>
+              </a:rPr>
+              <a:t>Implemented early stopping to prevent overfitting.</a:t>
+            </a:r>
+            <a:endParaRPr kumimoji="0" lang="en-US" altLang="en-US" sz="2000" b="0" i="0" u="none" strike="noStrike" cap="none" normalizeH="0" baseline="0" dirty="0">
+              <a:ln>
+                <a:noFill/>
+              </a:ln>
+              <a:solidFill>
+                <a:schemeClr val="tx1"/>
+              </a:solidFill>
+              <a:effectLst/>
+              <a:latin typeface="Arial" panose="020B0604020202020204" pitchFamily="34" charset="0"/>
+            </a:endParaRPr>
           </a:p>
         </p:txBody>
       </p:sp>
       <p:pic>
         <p:nvPicPr>
-          <p:cNvPr id="9" name="Picture 8">
-            <a:extLst>
-              <a:ext uri="{FF2B5EF4-FFF2-40B4-BE49-F238E27FC236}">
-                <a16:creationId xmlns:a16="http://schemas.microsoft.com/office/drawing/2014/main" id="{90EAE37B-4A9F-45ED-60D1-3486755FB71A}"/>
+          <p:cNvPr id="7" name="Picture 6">
+            <a:extLst>
+              <a:ext uri="{FF2B5EF4-FFF2-40B4-BE49-F238E27FC236}">
+                <a16:creationId xmlns:a16="http://schemas.microsoft.com/office/drawing/2014/main" id="{5801F9DB-7F16-DE1E-6E89-955AAA995067}"/>
               </a:ext>
             </a:extLst>
           </p:cNvPr>
@@ -14072,8 +14447,8 @@
         </p:blipFill>
         <p:spPr>
           <a:xfrm>
-            <a:off x="1603160" y="1612013"/>
-            <a:ext cx="10081686" cy="3360562"/>
+            <a:off x="2858215" y="2720926"/>
+            <a:ext cx="7022414" cy="3213498"/>
           </a:xfrm>
           <a:prstGeom prst="rect">
             <a:avLst/>
@@ -14082,10 +14457,10 @@
       </p:pic>
       <p:pic>
         <p:nvPicPr>
-          <p:cNvPr id="6" name="Picture 5">
-            <a:extLst>
-              <a:ext uri="{FF2B5EF4-FFF2-40B4-BE49-F238E27FC236}">
-                <a16:creationId xmlns:a16="http://schemas.microsoft.com/office/drawing/2014/main" id="{45924DEB-25F0-88CA-747F-8671B192EA8F}"/>
+          <p:cNvPr id="10" name="Picture 9">
+            <a:extLst>
+              <a:ext uri="{FF2B5EF4-FFF2-40B4-BE49-F238E27FC236}">
+                <a16:creationId xmlns:a16="http://schemas.microsoft.com/office/drawing/2014/main" id="{F8819FAA-55FC-7B34-48AA-74F7441F434F}"/>
               </a:ext>
             </a:extLst>
           </p:cNvPr>
@@ -14102,8 +14477,8 @@
         </p:blipFill>
         <p:spPr>
           <a:xfrm>
-            <a:off x="1385046" y="238626"/>
-            <a:ext cx="541067" cy="571550"/>
+            <a:off x="1385046" y="309576"/>
+            <a:ext cx="434378" cy="502964"/>
           </a:xfrm>
           <a:prstGeom prst="rect">
             <a:avLst/>
@@ -14113,7 +14488,7 @@
     </p:spTree>
     <p:extLst>
       <p:ext uri="{BB962C8B-B14F-4D97-AF65-F5344CB8AC3E}">
-        <p14:creationId xmlns:p14="http://schemas.microsoft.com/office/powerpoint/2010/main" val="1231882250"/>
+        <p14:creationId xmlns:p14="http://schemas.microsoft.com/office/powerpoint/2010/main" val="3457599504"/>
       </p:ext>
     </p:extLst>
   </p:cSld>
